--- a/FFPM/FFPM 175.pptx
+++ b/FFPM/FFPM 175.pptx
@@ -140,6 +140,22 @@
       </a:defRPr>
     </a:lvl9pPr>
   </p:defaultTextStyle>
+  <p:extLst>
+    <p:ext uri="{EFAFB233-063F-42B5-8137-9DF3F51BA10A}">
+      <p15:sldGuideLst xmlns:p15="http://schemas.microsoft.com/office/powerpoint/2012/main">
+        <p15:guide id="1" orient="horz" pos="1620">
+          <p15:clr>
+            <a:srgbClr val="A4A3A4"/>
+          </p15:clr>
+        </p15:guide>
+        <p15:guide id="2" pos="2880">
+          <p15:clr>
+            <a:srgbClr val="A4A3A4"/>
+          </p15:clr>
+        </p15:guide>
+      </p15:sldGuideLst>
+    </p:ext>
+  </p:extLst>
 </p:presentation>
 </file>
 
@@ -181,10 +197,9 @@
           <a:lstStyle/>
           <a:p>
             <a:r>
-              <a:rPr lang="fr-FR" smtClean="0"/>
+              <a:rPr lang="fr-FR"/>
               <a:t>Modifiez le style du titre</a:t>
             </a:r>
-            <a:endParaRPr lang="fr-FR"/>
           </a:p>
         </p:txBody>
       </p:sp>
@@ -300,10 +315,9 @@
           </a:lstStyle>
           <a:p>
             <a:r>
-              <a:rPr lang="fr-FR" smtClean="0"/>
+              <a:rPr lang="fr-FR"/>
               <a:t>Modifiez le style des sous-titres du masque</a:t>
             </a:r>
-            <a:endParaRPr lang="fr-FR"/>
           </a:p>
         </p:txBody>
       </p:sp>
@@ -330,7 +344,7 @@
               <a:pPr>
                 <a:defRPr/>
               </a:pPr>
-              <a:t>12/12/2014</a:t>
+              <a:t>09/07/2023</a:t>
             </a:fld>
             <a:endParaRPr lang="fr-FR"/>
           </a:p>
@@ -400,13 +414,6 @@
   <p:transition>
     <p:dissolve/>
   </p:transition>
-  <p:timing>
-    <p:tnLst>
-      <p:par>
-        <p:cTn id="1" dur="indefinite" restart="never" nodeType="tmRoot"/>
-      </p:par>
-    </p:tnLst>
-  </p:timing>
 </p:sldLayout>
 </file>
 
@@ -443,10 +450,9 @@
           <a:lstStyle/>
           <a:p>
             <a:r>
-              <a:rPr lang="fr-FR" smtClean="0"/>
+              <a:rPr lang="fr-FR"/>
               <a:t>Modifiez le style du titre</a:t>
             </a:r>
-            <a:endParaRPr lang="fr-FR"/>
           </a:p>
         </p:txBody>
       </p:sp>
@@ -467,38 +473,37 @@
           <a:p>
             <a:pPr lvl="0"/>
             <a:r>
-              <a:rPr lang="fr-FR" smtClean="0"/>
+              <a:rPr lang="fr-FR"/>
               <a:t>Modifiez les styles du texte du masque</a:t>
             </a:r>
           </a:p>
           <a:p>
             <a:pPr lvl="1"/>
             <a:r>
-              <a:rPr lang="fr-FR" smtClean="0"/>
+              <a:rPr lang="fr-FR"/>
               <a:t>Deuxième niveau</a:t>
             </a:r>
           </a:p>
           <a:p>
             <a:pPr lvl="2"/>
             <a:r>
-              <a:rPr lang="fr-FR" smtClean="0"/>
+              <a:rPr lang="fr-FR"/>
               <a:t>Troisième niveau</a:t>
             </a:r>
           </a:p>
           <a:p>
             <a:pPr lvl="3"/>
             <a:r>
-              <a:rPr lang="fr-FR" smtClean="0"/>
+              <a:rPr lang="fr-FR"/>
               <a:t>Quatrième niveau</a:t>
             </a:r>
           </a:p>
           <a:p>
             <a:pPr lvl="4"/>
             <a:r>
-              <a:rPr lang="fr-FR" smtClean="0"/>
+              <a:rPr lang="fr-FR"/>
               <a:t>Cinquième niveau</a:t>
             </a:r>
-            <a:endParaRPr lang="fr-FR"/>
           </a:p>
         </p:txBody>
       </p:sp>
@@ -525,7 +530,7 @@
               <a:pPr>
                 <a:defRPr/>
               </a:pPr>
-              <a:t>12/12/2014</a:t>
+              <a:t>09/07/2023</a:t>
             </a:fld>
             <a:endParaRPr lang="fr-FR"/>
           </a:p>
@@ -595,13 +600,6 @@
   <p:transition>
     <p:dissolve/>
   </p:transition>
-  <p:timing>
-    <p:tnLst>
-      <p:par>
-        <p:cTn id="1" dur="indefinite" restart="never" nodeType="tmRoot"/>
-      </p:par>
-    </p:tnLst>
-  </p:timing>
 </p:sldLayout>
 </file>
 
@@ -643,10 +641,9 @@
           <a:lstStyle/>
           <a:p>
             <a:r>
-              <a:rPr lang="fr-FR" smtClean="0"/>
+              <a:rPr lang="fr-FR"/>
               <a:t>Modifiez le style du titre</a:t>
             </a:r>
-            <a:endParaRPr lang="fr-FR"/>
           </a:p>
         </p:txBody>
       </p:sp>
@@ -672,38 +669,37 @@
           <a:p>
             <a:pPr lvl="0"/>
             <a:r>
-              <a:rPr lang="fr-FR" smtClean="0"/>
+              <a:rPr lang="fr-FR"/>
               <a:t>Modifiez les styles du texte du masque</a:t>
             </a:r>
           </a:p>
           <a:p>
             <a:pPr lvl="1"/>
             <a:r>
-              <a:rPr lang="fr-FR" smtClean="0"/>
+              <a:rPr lang="fr-FR"/>
               <a:t>Deuxième niveau</a:t>
             </a:r>
           </a:p>
           <a:p>
             <a:pPr lvl="2"/>
             <a:r>
-              <a:rPr lang="fr-FR" smtClean="0"/>
+              <a:rPr lang="fr-FR"/>
               <a:t>Troisième niveau</a:t>
             </a:r>
           </a:p>
           <a:p>
             <a:pPr lvl="3"/>
             <a:r>
-              <a:rPr lang="fr-FR" smtClean="0"/>
+              <a:rPr lang="fr-FR"/>
               <a:t>Quatrième niveau</a:t>
             </a:r>
           </a:p>
           <a:p>
             <a:pPr lvl="4"/>
             <a:r>
-              <a:rPr lang="fr-FR" smtClean="0"/>
+              <a:rPr lang="fr-FR"/>
               <a:t>Cinquième niveau</a:t>
             </a:r>
-            <a:endParaRPr lang="fr-FR"/>
           </a:p>
         </p:txBody>
       </p:sp>
@@ -730,7 +726,7 @@
               <a:pPr>
                 <a:defRPr/>
               </a:pPr>
-              <a:t>12/12/2014</a:t>
+              <a:t>09/07/2023</a:t>
             </a:fld>
             <a:endParaRPr lang="fr-FR"/>
           </a:p>
@@ -800,13 +796,6 @@
   <p:transition>
     <p:dissolve/>
   </p:transition>
-  <p:timing>
-    <p:tnLst>
-      <p:par>
-        <p:cTn id="1" dur="indefinite" restart="never" nodeType="tmRoot"/>
-      </p:par>
-    </p:tnLst>
-  </p:timing>
 </p:sldLayout>
 </file>
 
@@ -843,10 +832,9 @@
           <a:lstStyle/>
           <a:p>
             <a:r>
-              <a:rPr lang="fr-FR" smtClean="0"/>
+              <a:rPr lang="fr-FR"/>
               <a:t>Modifiez le style du titre</a:t>
             </a:r>
-            <a:endParaRPr lang="fr-FR"/>
           </a:p>
         </p:txBody>
       </p:sp>
@@ -867,38 +855,37 @@
           <a:p>
             <a:pPr lvl="0"/>
             <a:r>
-              <a:rPr lang="fr-FR" smtClean="0"/>
+              <a:rPr lang="fr-FR"/>
               <a:t>Modifiez les styles du texte du masque</a:t>
             </a:r>
           </a:p>
           <a:p>
             <a:pPr lvl="1"/>
             <a:r>
-              <a:rPr lang="fr-FR" smtClean="0"/>
+              <a:rPr lang="fr-FR"/>
               <a:t>Deuxième niveau</a:t>
             </a:r>
           </a:p>
           <a:p>
             <a:pPr lvl="2"/>
             <a:r>
-              <a:rPr lang="fr-FR" smtClean="0"/>
+              <a:rPr lang="fr-FR"/>
               <a:t>Troisième niveau</a:t>
             </a:r>
           </a:p>
           <a:p>
             <a:pPr lvl="3"/>
             <a:r>
-              <a:rPr lang="fr-FR" smtClean="0"/>
+              <a:rPr lang="fr-FR"/>
               <a:t>Quatrième niveau</a:t>
             </a:r>
           </a:p>
           <a:p>
             <a:pPr lvl="4"/>
             <a:r>
-              <a:rPr lang="fr-FR" smtClean="0"/>
+              <a:rPr lang="fr-FR"/>
               <a:t>Cinquième niveau</a:t>
             </a:r>
-            <a:endParaRPr lang="fr-FR"/>
           </a:p>
         </p:txBody>
       </p:sp>
@@ -925,7 +912,7 @@
               <a:pPr>
                 <a:defRPr/>
               </a:pPr>
-              <a:t>12/12/2014</a:t>
+              <a:t>09/07/2023</a:t>
             </a:fld>
             <a:endParaRPr lang="fr-FR"/>
           </a:p>
@@ -995,13 +982,6 @@
   <p:transition>
     <p:dissolve/>
   </p:transition>
-  <p:timing>
-    <p:tnLst>
-      <p:par>
-        <p:cTn id="1" dur="indefinite" restart="never" nodeType="tmRoot"/>
-      </p:par>
-    </p:tnLst>
-  </p:timing>
 </p:sldLayout>
 </file>
 
@@ -1047,10 +1027,9 @@
           </a:lstStyle>
           <a:p>
             <a:r>
-              <a:rPr lang="fr-FR" smtClean="0"/>
+              <a:rPr lang="fr-FR"/>
               <a:t>Modifiez le style du titre</a:t>
             </a:r>
-            <a:endParaRPr lang="fr-FR"/>
           </a:p>
         </p:txBody>
       </p:sp>
@@ -1167,7 +1146,7 @@
           <a:p>
             <a:pPr lvl="0"/>
             <a:r>
-              <a:rPr lang="fr-FR" smtClean="0"/>
+              <a:rPr lang="fr-FR"/>
               <a:t>Modifiez les styles du texte du masque</a:t>
             </a:r>
           </a:p>
@@ -1196,7 +1175,7 @@
               <a:pPr>
                 <a:defRPr/>
               </a:pPr>
-              <a:t>12/12/2014</a:t>
+              <a:t>09/07/2023</a:t>
             </a:fld>
             <a:endParaRPr lang="fr-FR"/>
           </a:p>
@@ -1266,13 +1245,6 @@
   <p:transition>
     <p:dissolve/>
   </p:transition>
-  <p:timing>
-    <p:tnLst>
-      <p:par>
-        <p:cTn id="1" dur="indefinite" restart="never" nodeType="tmRoot"/>
-      </p:par>
-    </p:tnLst>
-  </p:timing>
 </p:sldLayout>
 </file>
 
@@ -1309,10 +1281,9 @@
           <a:lstStyle/>
           <a:p>
             <a:r>
-              <a:rPr lang="fr-FR" smtClean="0"/>
+              <a:rPr lang="fr-FR"/>
               <a:t>Modifiez le style du titre</a:t>
             </a:r>
-            <a:endParaRPr lang="fr-FR"/>
           </a:p>
         </p:txBody>
       </p:sp>
@@ -1366,38 +1337,37 @@
           <a:p>
             <a:pPr lvl="0"/>
             <a:r>
-              <a:rPr lang="fr-FR" smtClean="0"/>
+              <a:rPr lang="fr-FR"/>
               <a:t>Modifiez les styles du texte du masque</a:t>
             </a:r>
           </a:p>
           <a:p>
             <a:pPr lvl="1"/>
             <a:r>
-              <a:rPr lang="fr-FR" smtClean="0"/>
+              <a:rPr lang="fr-FR"/>
               <a:t>Deuxième niveau</a:t>
             </a:r>
           </a:p>
           <a:p>
             <a:pPr lvl="2"/>
             <a:r>
-              <a:rPr lang="fr-FR" smtClean="0"/>
+              <a:rPr lang="fr-FR"/>
               <a:t>Troisième niveau</a:t>
             </a:r>
           </a:p>
           <a:p>
             <a:pPr lvl="3"/>
             <a:r>
-              <a:rPr lang="fr-FR" smtClean="0"/>
+              <a:rPr lang="fr-FR"/>
               <a:t>Quatrième niveau</a:t>
             </a:r>
           </a:p>
           <a:p>
             <a:pPr lvl="4"/>
             <a:r>
-              <a:rPr lang="fr-FR" smtClean="0"/>
+              <a:rPr lang="fr-FR"/>
               <a:t>Cinquième niveau</a:t>
             </a:r>
-            <a:endParaRPr lang="fr-FR"/>
           </a:p>
         </p:txBody>
       </p:sp>
@@ -1451,38 +1421,37 @@
           <a:p>
             <a:pPr lvl="0"/>
             <a:r>
-              <a:rPr lang="fr-FR" smtClean="0"/>
+              <a:rPr lang="fr-FR"/>
               <a:t>Modifiez les styles du texte du masque</a:t>
             </a:r>
           </a:p>
           <a:p>
             <a:pPr lvl="1"/>
             <a:r>
-              <a:rPr lang="fr-FR" smtClean="0"/>
+              <a:rPr lang="fr-FR"/>
               <a:t>Deuxième niveau</a:t>
             </a:r>
           </a:p>
           <a:p>
             <a:pPr lvl="2"/>
             <a:r>
-              <a:rPr lang="fr-FR" smtClean="0"/>
+              <a:rPr lang="fr-FR"/>
               <a:t>Troisième niveau</a:t>
             </a:r>
           </a:p>
           <a:p>
             <a:pPr lvl="3"/>
             <a:r>
-              <a:rPr lang="fr-FR" smtClean="0"/>
+              <a:rPr lang="fr-FR"/>
               <a:t>Quatrième niveau</a:t>
             </a:r>
           </a:p>
           <a:p>
             <a:pPr lvl="4"/>
             <a:r>
-              <a:rPr lang="fr-FR" smtClean="0"/>
+              <a:rPr lang="fr-FR"/>
               <a:t>Cinquième niveau</a:t>
             </a:r>
-            <a:endParaRPr lang="fr-FR"/>
           </a:p>
         </p:txBody>
       </p:sp>
@@ -1509,7 +1478,7 @@
               <a:pPr>
                 <a:defRPr/>
               </a:pPr>
-              <a:t>12/12/2014</a:t>
+              <a:t>09/07/2023</a:t>
             </a:fld>
             <a:endParaRPr lang="fr-FR"/>
           </a:p>
@@ -1579,13 +1548,6 @@
   <p:transition>
     <p:dissolve/>
   </p:transition>
-  <p:timing>
-    <p:tnLst>
-      <p:par>
-        <p:cTn id="1" dur="indefinite" restart="never" nodeType="tmRoot"/>
-      </p:par>
-    </p:tnLst>
-  </p:timing>
 </p:sldLayout>
 </file>
 
@@ -1626,10 +1588,9 @@
           </a:lstStyle>
           <a:p>
             <a:r>
-              <a:rPr lang="fr-FR" smtClean="0"/>
+              <a:rPr lang="fr-FR"/>
               <a:t>Modifiez le style du titre</a:t>
             </a:r>
-            <a:endParaRPr lang="fr-FR"/>
           </a:p>
         </p:txBody>
       </p:sp>
@@ -1692,7 +1653,7 @@
           <a:p>
             <a:pPr lvl="0"/>
             <a:r>
-              <a:rPr lang="fr-FR" smtClean="0"/>
+              <a:rPr lang="fr-FR"/>
               <a:t>Modifiez les styles du texte du masque</a:t>
             </a:r>
           </a:p>
@@ -1748,38 +1709,37 @@
           <a:p>
             <a:pPr lvl="0"/>
             <a:r>
-              <a:rPr lang="fr-FR" smtClean="0"/>
+              <a:rPr lang="fr-FR"/>
               <a:t>Modifiez les styles du texte du masque</a:t>
             </a:r>
           </a:p>
           <a:p>
             <a:pPr lvl="1"/>
             <a:r>
-              <a:rPr lang="fr-FR" smtClean="0"/>
+              <a:rPr lang="fr-FR"/>
               <a:t>Deuxième niveau</a:t>
             </a:r>
           </a:p>
           <a:p>
             <a:pPr lvl="2"/>
             <a:r>
-              <a:rPr lang="fr-FR" smtClean="0"/>
+              <a:rPr lang="fr-FR"/>
               <a:t>Troisième niveau</a:t>
             </a:r>
           </a:p>
           <a:p>
             <a:pPr lvl="3"/>
             <a:r>
-              <a:rPr lang="fr-FR" smtClean="0"/>
+              <a:rPr lang="fr-FR"/>
               <a:t>Quatrième niveau</a:t>
             </a:r>
           </a:p>
           <a:p>
             <a:pPr lvl="4"/>
             <a:r>
-              <a:rPr lang="fr-FR" smtClean="0"/>
+              <a:rPr lang="fr-FR"/>
               <a:t>Cinquième niveau</a:t>
             </a:r>
-            <a:endParaRPr lang="fr-FR"/>
           </a:p>
         </p:txBody>
       </p:sp>
@@ -1842,7 +1802,7 @@
           <a:p>
             <a:pPr lvl="0"/>
             <a:r>
-              <a:rPr lang="fr-FR" smtClean="0"/>
+              <a:rPr lang="fr-FR"/>
               <a:t>Modifiez les styles du texte du masque</a:t>
             </a:r>
           </a:p>
@@ -1898,38 +1858,37 @@
           <a:p>
             <a:pPr lvl="0"/>
             <a:r>
-              <a:rPr lang="fr-FR" smtClean="0"/>
+              <a:rPr lang="fr-FR"/>
               <a:t>Modifiez les styles du texte du masque</a:t>
             </a:r>
           </a:p>
           <a:p>
             <a:pPr lvl="1"/>
             <a:r>
-              <a:rPr lang="fr-FR" smtClean="0"/>
+              <a:rPr lang="fr-FR"/>
               <a:t>Deuxième niveau</a:t>
             </a:r>
           </a:p>
           <a:p>
             <a:pPr lvl="2"/>
             <a:r>
-              <a:rPr lang="fr-FR" smtClean="0"/>
+              <a:rPr lang="fr-FR"/>
               <a:t>Troisième niveau</a:t>
             </a:r>
           </a:p>
           <a:p>
             <a:pPr lvl="3"/>
             <a:r>
-              <a:rPr lang="fr-FR" smtClean="0"/>
+              <a:rPr lang="fr-FR"/>
               <a:t>Quatrième niveau</a:t>
             </a:r>
           </a:p>
           <a:p>
             <a:pPr lvl="4"/>
             <a:r>
-              <a:rPr lang="fr-FR" smtClean="0"/>
+              <a:rPr lang="fr-FR"/>
               <a:t>Cinquième niveau</a:t>
             </a:r>
-            <a:endParaRPr lang="fr-FR"/>
           </a:p>
         </p:txBody>
       </p:sp>
@@ -1956,7 +1915,7 @@
               <a:pPr>
                 <a:defRPr/>
               </a:pPr>
-              <a:t>12/12/2014</a:t>
+              <a:t>09/07/2023</a:t>
             </a:fld>
             <a:endParaRPr lang="fr-FR"/>
           </a:p>
@@ -2026,13 +1985,6 @@
   <p:transition>
     <p:dissolve/>
   </p:transition>
-  <p:timing>
-    <p:tnLst>
-      <p:par>
-        <p:cTn id="1" dur="indefinite" restart="never" nodeType="tmRoot"/>
-      </p:par>
-    </p:tnLst>
-  </p:timing>
 </p:sldLayout>
 </file>
 
@@ -2069,10 +2021,9 @@
           <a:lstStyle/>
           <a:p>
             <a:r>
-              <a:rPr lang="fr-FR" smtClean="0"/>
+              <a:rPr lang="fr-FR"/>
               <a:t>Modifiez le style du titre</a:t>
             </a:r>
-            <a:endParaRPr lang="fr-FR"/>
           </a:p>
         </p:txBody>
       </p:sp>
@@ -2099,7 +2050,7 @@
               <a:pPr>
                 <a:defRPr/>
               </a:pPr>
-              <a:t>12/12/2014</a:t>
+              <a:t>09/07/2023</a:t>
             </a:fld>
             <a:endParaRPr lang="fr-FR"/>
           </a:p>
@@ -2169,13 +2120,6 @@
   <p:transition>
     <p:dissolve/>
   </p:transition>
-  <p:timing>
-    <p:tnLst>
-      <p:par>
-        <p:cTn id="1" dur="indefinite" restart="never" nodeType="tmRoot"/>
-      </p:par>
-    </p:tnLst>
-  </p:timing>
 </p:sldLayout>
 </file>
 
@@ -2219,7 +2163,7 @@
               <a:pPr>
                 <a:defRPr/>
               </a:pPr>
-              <a:t>12/12/2014</a:t>
+              <a:t>09/07/2023</a:t>
             </a:fld>
             <a:endParaRPr lang="fr-FR"/>
           </a:p>
@@ -2289,13 +2233,6 @@
   <p:transition>
     <p:dissolve/>
   </p:transition>
-  <p:timing>
-    <p:tnLst>
-      <p:par>
-        <p:cTn id="1" dur="indefinite" restart="never" nodeType="tmRoot"/>
-      </p:par>
-    </p:tnLst>
-  </p:timing>
 </p:sldLayout>
 </file>
 
@@ -2341,10 +2278,9 @@
           </a:lstStyle>
           <a:p>
             <a:r>
-              <a:rPr lang="fr-FR" smtClean="0"/>
+              <a:rPr lang="fr-FR"/>
               <a:t>Modifiez le style du titre</a:t>
             </a:r>
-            <a:endParaRPr lang="fr-FR"/>
           </a:p>
         </p:txBody>
       </p:sp>
@@ -2398,38 +2334,37 @@
           <a:p>
             <a:pPr lvl="0"/>
             <a:r>
-              <a:rPr lang="fr-FR" smtClean="0"/>
+              <a:rPr lang="fr-FR"/>
               <a:t>Modifiez les styles du texte du masque</a:t>
             </a:r>
           </a:p>
           <a:p>
             <a:pPr lvl="1"/>
             <a:r>
-              <a:rPr lang="fr-FR" smtClean="0"/>
+              <a:rPr lang="fr-FR"/>
               <a:t>Deuxième niveau</a:t>
             </a:r>
           </a:p>
           <a:p>
             <a:pPr lvl="2"/>
             <a:r>
-              <a:rPr lang="fr-FR" smtClean="0"/>
+              <a:rPr lang="fr-FR"/>
               <a:t>Troisième niveau</a:t>
             </a:r>
           </a:p>
           <a:p>
             <a:pPr lvl="3"/>
             <a:r>
-              <a:rPr lang="fr-FR" smtClean="0"/>
+              <a:rPr lang="fr-FR"/>
               <a:t>Quatrième niveau</a:t>
             </a:r>
           </a:p>
           <a:p>
             <a:pPr lvl="4"/>
             <a:r>
-              <a:rPr lang="fr-FR" smtClean="0"/>
+              <a:rPr lang="fr-FR"/>
               <a:t>Cinquième niveau</a:t>
             </a:r>
-            <a:endParaRPr lang="fr-FR"/>
           </a:p>
         </p:txBody>
       </p:sp>
@@ -2492,7 +2427,7 @@
           <a:p>
             <a:pPr lvl="0"/>
             <a:r>
-              <a:rPr lang="fr-FR" smtClean="0"/>
+              <a:rPr lang="fr-FR"/>
               <a:t>Modifiez les styles du texte du masque</a:t>
             </a:r>
           </a:p>
@@ -2521,7 +2456,7 @@
               <a:pPr>
                 <a:defRPr/>
               </a:pPr>
-              <a:t>12/12/2014</a:t>
+              <a:t>09/07/2023</a:t>
             </a:fld>
             <a:endParaRPr lang="fr-FR"/>
           </a:p>
@@ -2591,13 +2526,6 @@
   <p:transition>
     <p:dissolve/>
   </p:transition>
-  <p:timing>
-    <p:tnLst>
-      <p:par>
-        <p:cTn id="1" dur="indefinite" restart="never" nodeType="tmRoot"/>
-      </p:par>
-    </p:tnLst>
-  </p:timing>
 </p:sldLayout>
 </file>
 
@@ -2643,10 +2571,9 @@
           </a:lstStyle>
           <a:p>
             <a:r>
-              <a:rPr lang="fr-FR" smtClean="0"/>
+              <a:rPr lang="fr-FR"/>
               <a:t>Modifiez le style du titre</a:t>
             </a:r>
-            <a:endParaRPr lang="fr-FR"/>
           </a:p>
         </p:txBody>
       </p:sp>
@@ -2770,7 +2697,7 @@
           <a:p>
             <a:pPr lvl="0"/>
             <a:r>
-              <a:rPr lang="fr-FR" smtClean="0"/>
+              <a:rPr lang="fr-FR"/>
               <a:t>Modifiez les styles du texte du masque</a:t>
             </a:r>
           </a:p>
@@ -2799,7 +2726,7 @@
               <a:pPr>
                 <a:defRPr/>
               </a:pPr>
-              <a:t>12/12/2014</a:t>
+              <a:t>09/07/2023</a:t>
             </a:fld>
             <a:endParaRPr lang="fr-FR"/>
           </a:p>
@@ -2869,13 +2796,6 @@
   <p:transition>
     <p:dissolve/>
   </p:transition>
-  <p:timing>
-    <p:tnLst>
-      <p:par>
-        <p:cTn id="1" dur="indefinite" restart="never" nodeType="tmRoot"/>
-      </p:par>
-    </p:tnLst>
-  </p:timing>
 </p:sldLayout>
 </file>
 
@@ -2927,10 +2847,9 @@
           <a:lstStyle/>
           <a:p>
             <a:r>
-              <a:rPr lang="fr-FR" smtClean="0"/>
+              <a:rPr lang="fr-FR"/>
               <a:t>Modifiez le style du titre</a:t>
             </a:r>
-            <a:endParaRPr lang="fr-FR"/>
           </a:p>
         </p:txBody>
       </p:sp>
@@ -2961,38 +2880,37 @@
           <a:p>
             <a:pPr lvl="0"/>
             <a:r>
-              <a:rPr lang="fr-FR" smtClean="0"/>
+              <a:rPr lang="fr-FR"/>
               <a:t>Modifiez les styles du texte du masque</a:t>
             </a:r>
           </a:p>
           <a:p>
             <a:pPr lvl="1"/>
             <a:r>
-              <a:rPr lang="fr-FR" smtClean="0"/>
+              <a:rPr lang="fr-FR"/>
               <a:t>Deuxième niveau</a:t>
             </a:r>
           </a:p>
           <a:p>
             <a:pPr lvl="2"/>
             <a:r>
-              <a:rPr lang="fr-FR" smtClean="0"/>
+              <a:rPr lang="fr-FR"/>
               <a:t>Troisième niveau</a:t>
             </a:r>
           </a:p>
           <a:p>
             <a:pPr lvl="3"/>
             <a:r>
-              <a:rPr lang="fr-FR" smtClean="0"/>
+              <a:rPr lang="fr-FR"/>
               <a:t>Quatrième niveau</a:t>
             </a:r>
           </a:p>
           <a:p>
             <a:pPr lvl="4"/>
             <a:r>
-              <a:rPr lang="fr-FR" smtClean="0"/>
+              <a:rPr lang="fr-FR"/>
               <a:t>Cinquième niveau</a:t>
             </a:r>
-            <a:endParaRPr lang="fr-FR"/>
           </a:p>
         </p:txBody>
       </p:sp>
@@ -3037,7 +2955,7 @@
               <a:pPr>
                 <a:defRPr/>
               </a:pPr>
-              <a:t>12/12/2014</a:t>
+              <a:t>09/07/2023</a:t>
             </a:fld>
             <a:endParaRPr lang="fr-FR"/>
           </a:p>
@@ -3154,13 +3072,6 @@
   <p:transition>
     <p:dissolve/>
   </p:transition>
-  <p:timing>
-    <p:tnLst>
-      <p:par>
-        <p:cTn id="1" dur="indefinite" restart="never" nodeType="tmRoot"/>
-      </p:par>
-    </p:tnLst>
-  </p:timing>
   <p:txStyles>
     <p:titleStyle>
       <a:lvl1pPr algn="ctr" defTabSz="914400" rtl="0" eaLnBrk="1" latinLnBrk="0" hangingPunct="1">
@@ -3455,7 +3366,7 @@
               <a:defRPr/>
             </a:pPr>
             <a:r>
-              <a:rPr lang="fr-FR" sz="13800" b="1" dirty="0" smtClean="0">
+              <a:rPr lang="fr-FR" sz="13800" b="1" dirty="0">
                 <a:solidFill>
                   <a:srgbClr val="FF0000"/>
                 </a:solidFill>
@@ -3469,23 +3380,8 @@
               </a:rPr>
               <a:t>175</a:t>
             </a:r>
-            <a:r>
-              <a:rPr lang="fr-FR" sz="9600" b="1" dirty="0" smtClean="0">
-                <a:solidFill>
-                  <a:srgbClr val="FF0000"/>
-                </a:solidFill>
-                <a:effectLst>
-                  <a:outerShdw blurRad="38100" dist="38100" dir="2700000" algn="tl">
-                    <a:srgbClr val="000000">
-                      <a:alpha val="43137"/>
-                    </a:srgbClr>
-                  </a:outerShdw>
-                </a:effectLst>
-              </a:rPr>
-              <a:t/>
-            </a:r>
             <a:br>
-              <a:rPr lang="fr-FR" sz="9600" b="1" dirty="0" smtClean="0">
+              <a:rPr lang="fr-FR" sz="9600" b="1" dirty="0">
                 <a:solidFill>
                   <a:srgbClr val="FF0000"/>
                 </a:solidFill>
@@ -3570,7 +3466,7 @@
               </a:rPr>
               <a:t> ô</a:t>
             </a:r>
-            <a:endParaRPr lang="fr-FR" sz="5400" i="1" dirty="0" smtClean="0">
+            <a:endParaRPr lang="fr-FR" sz="5400" i="1" dirty="0">
               <a:solidFill>
                 <a:schemeClr val="bg1">
                   <a:lumMod val="50000"/>
@@ -3595,13 +3491,6 @@
   <p:transition>
     <p:dissolve/>
   </p:transition>
-  <p:timing>
-    <p:tnLst>
-      <p:par>
-        <p:cTn id="1" dur="indefinite" restart="never" nodeType="tmRoot"/>
-      </p:par>
-    </p:tnLst>
-  </p:timing>
 </p:sld>
 </file>
 
@@ -3648,7 +3537,7 @@
               <a:defRPr/>
             </a:pPr>
             <a:r>
-              <a:rPr lang="en-GB" sz="6600" b="1" dirty="0" smtClean="0">
+              <a:rPr lang="en-GB" sz="6600" b="1" dirty="0">
                 <a:solidFill>
                   <a:srgbClr val="FF0000"/>
                 </a:solidFill>
@@ -3664,7 +3553,7 @@
               <a:t>1-</a:t>
             </a:r>
             <a:r>
-              <a:rPr lang="en-GB" sz="6600" b="1" dirty="0" smtClean="0">
+              <a:rPr lang="en-GB" sz="6600" b="1" dirty="0">
                 <a:effectLst>
                   <a:outerShdw blurRad="38100" dist="38100" dir="2700000" algn="tl">
                     <a:srgbClr val="000000">
@@ -3677,7 +3566,7 @@
               <a:t> </a:t>
             </a:r>
             <a:r>
-              <a:rPr lang="en-GB" sz="6600" b="1" dirty="0" err="1" smtClean="0">
+              <a:rPr lang="en-GB" sz="6600" b="1" dirty="0" err="1">
                 <a:effectLst>
                   <a:outerShdw blurRad="38100" dist="38100" dir="2700000" algn="tl">
                     <a:srgbClr val="000000">
@@ -3690,7 +3579,7 @@
               <a:t>Avia</a:t>
             </a:r>
             <a:r>
-              <a:rPr lang="en-GB" sz="6600" b="1" dirty="0" smtClean="0">
+              <a:rPr lang="en-GB" sz="6600" b="1" dirty="0">
                 <a:effectLst>
                   <a:outerShdw blurRad="38100" dist="38100" dir="2700000" algn="tl">
                     <a:srgbClr val="000000">
@@ -3703,7 +3592,7 @@
               <a:t>, </a:t>
             </a:r>
             <a:r>
-              <a:rPr lang="en-GB" sz="6600" b="1" dirty="0" err="1" smtClean="0">
+              <a:rPr lang="en-GB" sz="6600" b="1" dirty="0" err="1">
                 <a:effectLst>
                   <a:outerShdw blurRad="38100" dist="38100" dir="2700000" algn="tl">
                     <a:srgbClr val="000000">
@@ -3716,7 +3605,7 @@
               <a:t>Fanahy</a:t>
             </a:r>
             <a:r>
-              <a:rPr lang="en-GB" sz="6600" b="1" dirty="0" smtClean="0">
+              <a:rPr lang="en-GB" sz="6600" b="1" dirty="0">
                 <a:effectLst>
                   <a:outerShdw blurRad="38100" dist="38100" dir="2700000" algn="tl">
                     <a:srgbClr val="000000">
@@ -3729,7 +3618,7 @@
               <a:t> ô,</a:t>
             </a:r>
             <a:br>
-              <a:rPr lang="en-GB" sz="6600" b="1" dirty="0" smtClean="0">
+              <a:rPr lang="en-GB" sz="6600" b="1" dirty="0">
                 <a:effectLst>
                   <a:outerShdw blurRad="38100" dist="38100" dir="2700000" algn="tl">
                     <a:srgbClr val="000000">
@@ -3741,7 +3630,7 @@
               </a:rPr>
             </a:br>
             <a:r>
-              <a:rPr lang="en-GB" sz="6600" b="1" dirty="0" err="1" smtClean="0">
+              <a:rPr lang="en-GB" sz="6600" b="1" dirty="0" err="1">
                 <a:effectLst>
                   <a:outerShdw blurRad="38100" dist="38100" dir="2700000" algn="tl">
                     <a:srgbClr val="000000">
@@ -3754,7 +3643,7 @@
               <a:t>Fanahy</a:t>
             </a:r>
             <a:r>
-              <a:rPr lang="en-GB" sz="6600" b="1" dirty="0" smtClean="0">
+              <a:rPr lang="en-GB" sz="6600" b="1" dirty="0">
                 <a:effectLst>
                   <a:outerShdw blurRad="38100" dist="38100" dir="2700000" algn="tl">
                     <a:srgbClr val="000000">
@@ -3767,7 +3656,7 @@
               <a:t> </a:t>
             </a:r>
             <a:r>
-              <a:rPr lang="en-GB" sz="6600" b="1" dirty="0" err="1" smtClean="0">
+              <a:rPr lang="en-GB" sz="6600" b="1" dirty="0" err="1">
                 <a:effectLst>
                   <a:outerShdw blurRad="38100" dist="38100" dir="2700000" algn="tl">
                     <a:srgbClr val="000000">
@@ -3780,7 +3669,7 @@
               <a:t>Masina</a:t>
             </a:r>
             <a:r>
-              <a:rPr lang="en-GB" sz="6600" b="1" dirty="0" smtClean="0">
+              <a:rPr lang="en-GB" sz="6600" b="1" dirty="0">
                 <a:effectLst>
                   <a:outerShdw blurRad="38100" dist="38100" dir="2700000" algn="tl">
                     <a:srgbClr val="000000">
@@ -3793,7 +3682,7 @@
               <a:t> ô !</a:t>
             </a:r>
             <a:br>
-              <a:rPr lang="en-GB" sz="6600" b="1" dirty="0" smtClean="0">
+              <a:rPr lang="en-GB" sz="6600" b="1" dirty="0">
                 <a:effectLst>
                   <a:outerShdw blurRad="38100" dist="38100" dir="2700000" algn="tl">
                     <a:srgbClr val="000000">
@@ -3805,7 +3694,7 @@
               </a:rPr>
             </a:br>
             <a:r>
-              <a:rPr lang="en-GB" sz="6600" b="1" dirty="0" err="1" smtClean="0">
+              <a:rPr lang="en-GB" sz="6600" b="1" dirty="0" err="1">
                 <a:effectLst>
                   <a:outerShdw blurRad="38100" dist="38100" dir="2700000" algn="tl">
                     <a:srgbClr val="000000">
@@ -3818,7 +3707,7 @@
               <a:t>Midina</a:t>
             </a:r>
             <a:r>
-              <a:rPr lang="en-GB" sz="6600" b="1" dirty="0" smtClean="0">
+              <a:rPr lang="en-GB" sz="6600" b="1" dirty="0">
                 <a:effectLst>
                   <a:outerShdw blurRad="38100" dist="38100" dir="2700000" algn="tl">
                     <a:srgbClr val="000000">
@@ -3831,7 +3720,7 @@
               <a:t> </a:t>
             </a:r>
             <a:r>
-              <a:rPr lang="en-GB" sz="6600" b="1" dirty="0" err="1" smtClean="0">
+              <a:rPr lang="en-GB" sz="6600" b="1" dirty="0" err="1">
                 <a:effectLst>
                   <a:outerShdw blurRad="38100" dist="38100" dir="2700000" algn="tl">
                     <a:srgbClr val="000000">
@@ -3844,7 +3733,7 @@
               <a:t>eto</a:t>
             </a:r>
             <a:r>
-              <a:rPr lang="en-GB" sz="6600" b="1" dirty="0" smtClean="0">
+              <a:rPr lang="en-GB" sz="6600" b="1" dirty="0">
                 <a:effectLst>
                   <a:outerShdw blurRad="38100" dist="38100" dir="2700000" algn="tl">
                     <a:srgbClr val="000000">
@@ -3857,7 +3746,7 @@
               <a:t> </a:t>
             </a:r>
             <a:r>
-              <a:rPr lang="en-GB" sz="6600" b="1" dirty="0" err="1" smtClean="0">
+              <a:rPr lang="en-GB" sz="6600" b="1" dirty="0" err="1">
                 <a:effectLst>
                   <a:outerShdw blurRad="38100" dist="38100" dir="2700000" algn="tl">
                     <a:srgbClr val="000000">
@@ -3869,21 +3758,8 @@
               </a:rPr>
               <a:t>aminay</a:t>
             </a:r>
-            <a:r>
-              <a:rPr lang="en-GB" sz="6600" b="1" dirty="0" smtClean="0">
-                <a:effectLst>
-                  <a:outerShdw blurRad="38100" dist="38100" dir="2700000" algn="tl">
-                    <a:srgbClr val="000000">
-                      <a:alpha val="43137"/>
-                    </a:srgbClr>
-                  </a:outerShdw>
-                </a:effectLst>
-                <a:latin typeface="Georgia" pitchFamily="18" charset="0"/>
-              </a:rPr>
-              <a:t/>
-            </a:r>
             <a:br>
-              <a:rPr lang="en-GB" sz="6600" b="1" dirty="0" smtClean="0">
+              <a:rPr lang="en-GB" sz="6600" b="1" dirty="0">
                 <a:effectLst>
                   <a:outerShdw blurRad="38100" dist="38100" dir="2700000" algn="tl">
                     <a:srgbClr val="000000">
@@ -3895,7 +3771,7 @@
               </a:rPr>
             </a:br>
             <a:r>
-              <a:rPr lang="en-GB" sz="6600" b="1" dirty="0" err="1" smtClean="0">
+              <a:rPr lang="en-GB" sz="6600" b="1" dirty="0" err="1">
                 <a:effectLst>
                   <a:outerShdw blurRad="38100" dist="38100" dir="2700000" algn="tl">
                     <a:srgbClr val="000000">
@@ -3908,41 +3784,18 @@
               <a:t>Hitari-dàlana</a:t>
             </a:r>
             <a:r>
-              <a:rPr lang="en-GB" sz="6600" b="1" dirty="0" smtClean="0">
-                <a:effectLst>
-                  <a:outerShdw blurRad="38100" dist="38100" dir="2700000" algn="tl">
-                    <a:srgbClr val="000000">
-                      <a:alpha val="43137"/>
-                    </a:srgbClr>
-                  </a:outerShdw>
-                </a:effectLst>
-                <a:latin typeface="Georgia" pitchFamily="18" charset="0"/>
-              </a:rPr>
-              <a:t> </a:t>
-            </a:r>
-            <a:r>
-              <a:rPr lang="en-GB" sz="6600" b="1" dirty="0" smtClean="0">
-                <a:effectLst>
-                  <a:outerShdw blurRad="38100" dist="38100" dir="2700000" algn="tl">
-                    <a:srgbClr val="000000">
-                      <a:alpha val="43137"/>
-                    </a:srgbClr>
-                  </a:outerShdw>
-                </a:effectLst>
-                <a:latin typeface="Georgia" pitchFamily="18" charset="0"/>
-              </a:rPr>
-              <a:t>!</a:t>
-            </a:r>
-            <a:endParaRPr lang="en-GB" sz="6600" b="1" dirty="0">
-              <a:effectLst>
-                <a:outerShdw blurRad="38100" dist="38100" dir="2700000" algn="tl">
-                  <a:srgbClr val="000000">
-                    <a:alpha val="43137"/>
-                  </a:srgbClr>
-                </a:outerShdw>
-              </a:effectLst>
-              <a:latin typeface="Georgia" pitchFamily="18" charset="0"/>
-            </a:endParaRPr>
+              <a:rPr lang="en-GB" sz="6600" b="1" dirty="0">
+                <a:effectLst>
+                  <a:outerShdw blurRad="38100" dist="38100" dir="2700000" algn="tl">
+                    <a:srgbClr val="000000">
+                      <a:alpha val="43137"/>
+                    </a:srgbClr>
+                  </a:outerShdw>
+                </a:effectLst>
+                <a:latin typeface="Georgia" pitchFamily="18" charset="0"/>
+              </a:rPr>
+              <a:t> !</a:t>
+            </a:r>
           </a:p>
         </p:txBody>
       </p:sp>
@@ -3954,13 +3807,6 @@
   <p:transition>
     <p:dissolve/>
   </p:transition>
-  <p:timing>
-    <p:tnLst>
-      <p:par>
-        <p:cTn id="1" dur="indefinite" restart="never" nodeType="tmRoot"/>
-      </p:par>
-    </p:tnLst>
-  </p:timing>
 </p:sld>
 </file>
 
@@ -4007,7 +3853,7 @@
               <a:defRPr/>
             </a:pPr>
             <a:r>
-              <a:rPr lang="en-GB" sz="6000" b="1" dirty="0" smtClean="0">
+              <a:rPr lang="en-GB" sz="6000" b="1" dirty="0">
                 <a:solidFill>
                   <a:srgbClr val="FF0000"/>
                 </a:solidFill>
@@ -4023,7 +3869,33 @@
               <a:t>2-</a:t>
             </a:r>
             <a:r>
-              <a:rPr lang="en-GB" sz="6000" b="1" dirty="0" smtClean="0">
+              <a:rPr lang="en-GB" sz="6000" b="1" dirty="0">
+                <a:effectLst>
+                  <a:outerShdw blurRad="38100" dist="38100" dir="2700000" algn="tl">
+                    <a:srgbClr val="000000">
+                      <a:alpha val="43137"/>
+                    </a:srgbClr>
+                  </a:outerShdw>
+                </a:effectLst>
+                <a:latin typeface="Georgia" pitchFamily="18" charset="0"/>
+              </a:rPr>
+              <a:t> Fa </a:t>
+            </a:r>
+            <a:r>
+              <a:rPr lang="en-GB" sz="6000" b="1" dirty="0" err="1">
+                <a:effectLst>
+                  <a:outerShdw blurRad="38100" dist="38100" dir="2700000" algn="tl">
+                    <a:srgbClr val="000000">
+                      <a:alpha val="43137"/>
+                    </a:srgbClr>
+                  </a:outerShdw>
+                </a:effectLst>
+                <a:latin typeface="Georgia" pitchFamily="18" charset="0"/>
+              </a:rPr>
+              <a:t>diso</a:t>
+            </a:r>
+            <a:r>
+              <a:rPr lang="en-GB" sz="6000" b="1" dirty="0">
                 <a:effectLst>
                   <a:outerShdw blurRad="38100" dist="38100" dir="2700000" algn="tl">
                     <a:srgbClr val="000000">
@@ -4036,20 +3908,58 @@
               <a:t> </a:t>
             </a:r>
             <a:r>
-              <a:rPr lang="en-GB" sz="6000" b="1" dirty="0" err="1" smtClean="0">
-                <a:effectLst>
-                  <a:outerShdw blurRad="38100" dist="38100" dir="2700000" algn="tl">
-                    <a:srgbClr val="000000">
-                      <a:alpha val="43137"/>
-                    </a:srgbClr>
-                  </a:outerShdw>
-                </a:effectLst>
-                <a:latin typeface="Georgia" pitchFamily="18" charset="0"/>
-              </a:rPr>
-              <a:t>Fa</a:t>
-            </a:r>
-            <a:r>
-              <a:rPr lang="en-GB" sz="6000" b="1" dirty="0" smtClean="0">
+              <a:rPr lang="en-GB" sz="6000" b="1" dirty="0" err="1">
+                <a:effectLst>
+                  <a:outerShdw blurRad="38100" dist="38100" dir="2700000" algn="tl">
+                    <a:srgbClr val="000000">
+                      <a:alpha val="43137"/>
+                    </a:srgbClr>
+                  </a:outerShdw>
+                </a:effectLst>
+                <a:latin typeface="Georgia" pitchFamily="18" charset="0"/>
+              </a:rPr>
+              <a:t>làlana</a:t>
+            </a:r>
+            <a:br>
+              <a:rPr lang="en-GB" sz="6000" b="1" dirty="0">
+                <a:effectLst>
+                  <a:outerShdw blurRad="38100" dist="38100" dir="2700000" algn="tl">
+                    <a:srgbClr val="000000">
+                      <a:alpha val="43137"/>
+                    </a:srgbClr>
+                  </a:outerShdw>
+                </a:effectLst>
+                <a:latin typeface="Georgia" pitchFamily="18" charset="0"/>
+              </a:rPr>
+            </a:br>
+            <a:r>
+              <a:rPr lang="en-GB" sz="6000" b="1" dirty="0">
+                <a:effectLst>
+                  <a:outerShdw blurRad="38100" dist="38100" dir="2700000" algn="tl">
+                    <a:srgbClr val="000000">
+                      <a:alpha val="43137"/>
+                    </a:srgbClr>
+                  </a:outerShdw>
+                </a:effectLst>
+                <a:latin typeface="Georgia" pitchFamily="18" charset="0"/>
+              </a:rPr>
+              <a:t>Ka </a:t>
+            </a:r>
+            <a:r>
+              <a:rPr lang="en-GB" sz="6000" b="1" dirty="0" err="1">
+                <a:effectLst>
+                  <a:outerShdw blurRad="38100" dist="38100" dir="2700000" algn="tl">
+                    <a:srgbClr val="000000">
+                      <a:alpha val="43137"/>
+                    </a:srgbClr>
+                  </a:outerShdw>
+                </a:effectLst>
+                <a:latin typeface="Georgia" pitchFamily="18" charset="0"/>
+              </a:rPr>
+              <a:t>ory</a:t>
+            </a:r>
+            <a:r>
+              <a:rPr lang="en-GB" sz="6000" b="1" dirty="0">
                 <a:effectLst>
                   <a:outerShdw blurRad="38100" dist="38100" dir="2700000" algn="tl">
                     <a:srgbClr val="000000">
@@ -4062,20 +3972,71 @@
               <a:t> </a:t>
             </a:r>
             <a:r>
-              <a:rPr lang="en-GB" sz="6000" b="1" dirty="0" err="1" smtClean="0">
-                <a:effectLst>
-                  <a:outerShdw blurRad="38100" dist="38100" dir="2700000" algn="tl">
-                    <a:srgbClr val="000000">
-                      <a:alpha val="43137"/>
-                    </a:srgbClr>
-                  </a:outerShdw>
-                </a:effectLst>
-                <a:latin typeface="Georgia" pitchFamily="18" charset="0"/>
-              </a:rPr>
-              <a:t>diso</a:t>
-            </a:r>
-            <a:r>
-              <a:rPr lang="en-GB" sz="6000" b="1" dirty="0" smtClean="0">
+              <a:rPr lang="en-GB" sz="6000" b="1" dirty="0" err="1">
+                <a:effectLst>
+                  <a:outerShdw blurRad="38100" dist="38100" dir="2700000" algn="tl">
+                    <a:srgbClr val="000000">
+                      <a:alpha val="43137"/>
+                    </a:srgbClr>
+                  </a:outerShdw>
+                </a:effectLst>
+                <a:latin typeface="Georgia" pitchFamily="18" charset="0"/>
+              </a:rPr>
+              <a:t>izahay</a:t>
+            </a:r>
+            <a:r>
+              <a:rPr lang="en-GB" sz="6000" b="1" dirty="0">
+                <a:effectLst>
+                  <a:outerShdw blurRad="38100" dist="38100" dir="2700000" algn="tl">
+                    <a:srgbClr val="000000">
+                      <a:alpha val="43137"/>
+                    </a:srgbClr>
+                  </a:outerShdw>
+                </a:effectLst>
+                <a:latin typeface="Georgia" pitchFamily="18" charset="0"/>
+              </a:rPr>
+              <a:t> ;</a:t>
+            </a:r>
+            <a:br>
+              <a:rPr lang="en-GB" sz="6000" b="1" dirty="0">
+                <a:effectLst>
+                  <a:outerShdw blurRad="38100" dist="38100" dir="2700000" algn="tl">
+                    <a:srgbClr val="000000">
+                      <a:alpha val="43137"/>
+                    </a:srgbClr>
+                  </a:outerShdw>
+                </a:effectLst>
+                <a:latin typeface="Georgia" pitchFamily="18" charset="0"/>
+              </a:rPr>
+            </a:br>
+            <a:r>
+              <a:rPr lang="en-GB" sz="6000" b="1" dirty="0">
+                <a:effectLst>
+                  <a:outerShdw blurRad="38100" dist="38100" dir="2700000" algn="tl">
+                    <a:srgbClr val="000000">
+                      <a:alpha val="43137"/>
+                    </a:srgbClr>
+                  </a:outerShdw>
+                </a:effectLst>
+                <a:latin typeface="Georgia" pitchFamily="18" charset="0"/>
+              </a:rPr>
+              <a:t>Ny </a:t>
+            </a:r>
+            <a:r>
+              <a:rPr lang="en-GB" sz="6000" b="1" dirty="0" err="1">
+                <a:effectLst>
+                  <a:outerShdw blurRad="38100" dist="38100" dir="2700000" algn="tl">
+                    <a:srgbClr val="000000">
+                      <a:alpha val="43137"/>
+                    </a:srgbClr>
+                  </a:outerShdw>
+                </a:effectLst>
+                <a:latin typeface="Georgia" pitchFamily="18" charset="0"/>
+              </a:rPr>
+              <a:t>sainay</a:t>
+            </a:r>
+            <a:r>
+              <a:rPr lang="en-GB" sz="6000" b="1" dirty="0">
                 <a:effectLst>
                   <a:outerShdw blurRad="38100" dist="38100" dir="2700000" algn="tl">
                     <a:srgbClr val="000000">
@@ -4088,33 +4049,59 @@
               <a:t> </a:t>
             </a:r>
             <a:r>
-              <a:rPr lang="en-GB" sz="6000" b="1" dirty="0" err="1" smtClean="0">
-                <a:effectLst>
-                  <a:outerShdw blurRad="38100" dist="38100" dir="2700000" algn="tl">
-                    <a:srgbClr val="000000">
-                      <a:alpha val="43137"/>
-                    </a:srgbClr>
-                  </a:outerShdw>
-                </a:effectLst>
-                <a:latin typeface="Georgia" pitchFamily="18" charset="0"/>
-              </a:rPr>
-              <a:t>làlana</a:t>
-            </a:r>
-            <a:r>
-              <a:rPr lang="en-GB" sz="6000" b="1" dirty="0" smtClean="0">
-                <a:effectLst>
-                  <a:outerShdw blurRad="38100" dist="38100" dir="2700000" algn="tl">
-                    <a:srgbClr val="000000">
-                      <a:alpha val="43137"/>
-                    </a:srgbClr>
-                  </a:outerShdw>
-                </a:effectLst>
-                <a:latin typeface="Georgia" pitchFamily="18" charset="0"/>
-              </a:rPr>
-              <a:t/>
+              <a:rPr lang="en-GB" sz="6000" b="1" dirty="0" err="1">
+                <a:effectLst>
+                  <a:outerShdw blurRad="38100" dist="38100" dir="2700000" algn="tl">
+                    <a:srgbClr val="000000">
+                      <a:alpha val="43137"/>
+                    </a:srgbClr>
+                  </a:outerShdw>
+                </a:effectLst>
+                <a:latin typeface="Georgia" pitchFamily="18" charset="0"/>
+              </a:rPr>
+              <a:t>dia</a:t>
+            </a:r>
+            <a:r>
+              <a:rPr lang="en-GB" sz="6000" b="1" dirty="0">
+                <a:effectLst>
+                  <a:outerShdw blurRad="38100" dist="38100" dir="2700000" algn="tl">
+                    <a:srgbClr val="000000">
+                      <a:alpha val="43137"/>
+                    </a:srgbClr>
+                  </a:outerShdw>
+                </a:effectLst>
+                <a:latin typeface="Georgia" pitchFamily="18" charset="0"/>
+              </a:rPr>
+              <a:t> </a:t>
+            </a:r>
+            <a:r>
+              <a:rPr lang="en-GB" sz="6000" b="1" dirty="0" err="1">
+                <a:effectLst>
+                  <a:outerShdw blurRad="38100" dist="38100" dir="2700000" algn="tl">
+                    <a:srgbClr val="000000">
+                      <a:alpha val="43137"/>
+                    </a:srgbClr>
+                  </a:outerShdw>
+                </a:effectLst>
+                <a:latin typeface="Georgia" pitchFamily="18" charset="0"/>
+              </a:rPr>
+              <a:t>maizina</a:t>
+            </a:r>
+            <a:r>
+              <a:rPr lang="en-GB" sz="6000" b="1" dirty="0">
+                <a:effectLst>
+                  <a:outerShdw blurRad="38100" dist="38100" dir="2700000" algn="tl">
+                    <a:srgbClr val="000000">
+                      <a:alpha val="43137"/>
+                    </a:srgbClr>
+                  </a:outerShdw>
+                </a:effectLst>
+                <a:latin typeface="Georgia" pitchFamily="18" charset="0"/>
+              </a:rPr>
+              <a:t>,</a:t>
             </a:r>
             <a:br>
-              <a:rPr lang="en-GB" sz="6000" b="1" dirty="0" smtClean="0">
+              <a:rPr lang="en-GB" sz="6000" b="1" dirty="0">
                 <a:effectLst>
                   <a:outerShdw blurRad="38100" dist="38100" dir="2700000" algn="tl">
                     <a:srgbClr val="000000">
@@ -4126,20 +4113,33 @@
               </a:rPr>
             </a:br>
             <a:r>
-              <a:rPr lang="en-GB" sz="6000" b="1" dirty="0" err="1" smtClean="0">
-                <a:effectLst>
-                  <a:outerShdw blurRad="38100" dist="38100" dir="2700000" algn="tl">
-                    <a:srgbClr val="000000">
-                      <a:alpha val="43137"/>
-                    </a:srgbClr>
-                  </a:outerShdw>
-                </a:effectLst>
-                <a:latin typeface="Georgia" pitchFamily="18" charset="0"/>
-              </a:rPr>
-              <a:t>Ka</a:t>
-            </a:r>
-            <a:r>
-              <a:rPr lang="en-GB" sz="6000" b="1" dirty="0" smtClean="0">
+              <a:rPr lang="en-GB" sz="6000" b="1" dirty="0">
+                <a:effectLst>
+                  <a:outerShdw blurRad="38100" dist="38100" dir="2700000" algn="tl">
+                    <a:srgbClr val="000000">
+                      <a:alpha val="43137"/>
+                    </a:srgbClr>
+                  </a:outerShdw>
+                </a:effectLst>
+                <a:latin typeface="Georgia" pitchFamily="18" charset="0"/>
+              </a:rPr>
+              <a:t>Ny </a:t>
+            </a:r>
+            <a:r>
+              <a:rPr lang="en-GB" sz="6000" b="1" dirty="0" err="1">
+                <a:effectLst>
+                  <a:outerShdw blurRad="38100" dist="38100" dir="2700000" algn="tl">
+                    <a:srgbClr val="000000">
+                      <a:alpha val="43137"/>
+                    </a:srgbClr>
+                  </a:outerShdw>
+                </a:effectLst>
+                <a:latin typeface="Georgia" pitchFamily="18" charset="0"/>
+              </a:rPr>
+              <a:t>fonay</a:t>
+            </a:r>
+            <a:r>
+              <a:rPr lang="en-GB" sz="6000" b="1" dirty="0">
                 <a:effectLst>
                   <a:outerShdw blurRad="38100" dist="38100" dir="2700000" algn="tl">
                     <a:srgbClr val="000000">
@@ -4152,20 +4152,20 @@
               <a:t> </a:t>
             </a:r>
             <a:r>
-              <a:rPr lang="en-GB" sz="6000" b="1" dirty="0" err="1" smtClean="0">
-                <a:effectLst>
-                  <a:outerShdw blurRad="38100" dist="38100" dir="2700000" algn="tl">
-                    <a:srgbClr val="000000">
-                      <a:alpha val="43137"/>
-                    </a:srgbClr>
-                  </a:outerShdw>
-                </a:effectLst>
-                <a:latin typeface="Georgia" pitchFamily="18" charset="0"/>
-              </a:rPr>
-              <a:t>ory</a:t>
-            </a:r>
-            <a:r>
-              <a:rPr lang="en-GB" sz="6000" b="1" dirty="0" smtClean="0">
+              <a:rPr lang="en-GB" sz="6000" b="1" dirty="0" err="1">
+                <a:effectLst>
+                  <a:outerShdw blurRad="38100" dist="38100" dir="2700000" algn="tl">
+                    <a:srgbClr val="000000">
+                      <a:alpha val="43137"/>
+                    </a:srgbClr>
+                  </a:outerShdw>
+                </a:effectLst>
+                <a:latin typeface="Georgia" pitchFamily="18" charset="0"/>
+              </a:rPr>
+              <a:t>ratsy</a:t>
+            </a:r>
+            <a:r>
+              <a:rPr lang="en-GB" sz="6000" b="1" dirty="0">
                 <a:effectLst>
                   <a:outerShdw blurRad="38100" dist="38100" dir="2700000" algn="tl">
                     <a:srgbClr val="000000">
@@ -4178,239 +4178,7 @@
               <a:t> </a:t>
             </a:r>
             <a:r>
-              <a:rPr lang="en-GB" sz="6000" b="1" dirty="0" err="1" smtClean="0">
-                <a:effectLst>
-                  <a:outerShdw blurRad="38100" dist="38100" dir="2700000" algn="tl">
-                    <a:srgbClr val="000000">
-                      <a:alpha val="43137"/>
-                    </a:srgbClr>
-                  </a:outerShdw>
-                </a:effectLst>
-                <a:latin typeface="Georgia" pitchFamily="18" charset="0"/>
-              </a:rPr>
-              <a:t>izahay</a:t>
-            </a:r>
-            <a:r>
-              <a:rPr lang="en-GB" sz="6000" b="1" dirty="0" smtClean="0">
-                <a:effectLst>
-                  <a:outerShdw blurRad="38100" dist="38100" dir="2700000" algn="tl">
-                    <a:srgbClr val="000000">
-                      <a:alpha val="43137"/>
-                    </a:srgbClr>
-                  </a:outerShdw>
-                </a:effectLst>
-                <a:latin typeface="Georgia" pitchFamily="18" charset="0"/>
-              </a:rPr>
-              <a:t> ;</a:t>
-            </a:r>
-            <a:br>
-              <a:rPr lang="en-GB" sz="6000" b="1" dirty="0" smtClean="0">
-                <a:effectLst>
-                  <a:outerShdw blurRad="38100" dist="38100" dir="2700000" algn="tl">
-                    <a:srgbClr val="000000">
-                      <a:alpha val="43137"/>
-                    </a:srgbClr>
-                  </a:outerShdw>
-                </a:effectLst>
-                <a:latin typeface="Georgia" pitchFamily="18" charset="0"/>
-              </a:rPr>
-            </a:br>
-            <a:r>
-              <a:rPr lang="en-GB" sz="6000" b="1" dirty="0" err="1" smtClean="0">
-                <a:effectLst>
-                  <a:outerShdw blurRad="38100" dist="38100" dir="2700000" algn="tl">
-                    <a:srgbClr val="000000">
-                      <a:alpha val="43137"/>
-                    </a:srgbClr>
-                  </a:outerShdw>
-                </a:effectLst>
-                <a:latin typeface="Georgia" pitchFamily="18" charset="0"/>
-              </a:rPr>
-              <a:t>Ny</a:t>
-            </a:r>
-            <a:r>
-              <a:rPr lang="en-GB" sz="6000" b="1" dirty="0" smtClean="0">
-                <a:effectLst>
-                  <a:outerShdw blurRad="38100" dist="38100" dir="2700000" algn="tl">
-                    <a:srgbClr val="000000">
-                      <a:alpha val="43137"/>
-                    </a:srgbClr>
-                  </a:outerShdw>
-                </a:effectLst>
-                <a:latin typeface="Georgia" pitchFamily="18" charset="0"/>
-              </a:rPr>
-              <a:t> </a:t>
-            </a:r>
-            <a:r>
-              <a:rPr lang="en-GB" sz="6000" b="1" dirty="0" err="1" smtClean="0">
-                <a:effectLst>
-                  <a:outerShdw blurRad="38100" dist="38100" dir="2700000" algn="tl">
-                    <a:srgbClr val="000000">
-                      <a:alpha val="43137"/>
-                    </a:srgbClr>
-                  </a:outerShdw>
-                </a:effectLst>
-                <a:latin typeface="Georgia" pitchFamily="18" charset="0"/>
-              </a:rPr>
-              <a:t>sainay</a:t>
-            </a:r>
-            <a:r>
-              <a:rPr lang="en-GB" sz="6000" b="1" dirty="0" smtClean="0">
-                <a:effectLst>
-                  <a:outerShdw blurRad="38100" dist="38100" dir="2700000" algn="tl">
-                    <a:srgbClr val="000000">
-                      <a:alpha val="43137"/>
-                    </a:srgbClr>
-                  </a:outerShdw>
-                </a:effectLst>
-                <a:latin typeface="Georgia" pitchFamily="18" charset="0"/>
-              </a:rPr>
-              <a:t> </a:t>
-            </a:r>
-            <a:r>
-              <a:rPr lang="en-GB" sz="6000" b="1" dirty="0" err="1" smtClean="0">
-                <a:effectLst>
-                  <a:outerShdw blurRad="38100" dist="38100" dir="2700000" algn="tl">
-                    <a:srgbClr val="000000">
-                      <a:alpha val="43137"/>
-                    </a:srgbClr>
-                  </a:outerShdw>
-                </a:effectLst>
-                <a:latin typeface="Georgia" pitchFamily="18" charset="0"/>
-              </a:rPr>
-              <a:t>dia</a:t>
-            </a:r>
-            <a:r>
-              <a:rPr lang="en-GB" sz="6000" b="1" dirty="0" smtClean="0">
-                <a:effectLst>
-                  <a:outerShdw blurRad="38100" dist="38100" dir="2700000" algn="tl">
-                    <a:srgbClr val="000000">
-                      <a:alpha val="43137"/>
-                    </a:srgbClr>
-                  </a:outerShdw>
-                </a:effectLst>
-                <a:latin typeface="Georgia" pitchFamily="18" charset="0"/>
-              </a:rPr>
-              <a:t> </a:t>
-            </a:r>
-            <a:r>
-              <a:rPr lang="en-GB" sz="6000" b="1" dirty="0" err="1" smtClean="0">
-                <a:effectLst>
-                  <a:outerShdw blurRad="38100" dist="38100" dir="2700000" algn="tl">
-                    <a:srgbClr val="000000">
-                      <a:alpha val="43137"/>
-                    </a:srgbClr>
-                  </a:outerShdw>
-                </a:effectLst>
-                <a:latin typeface="Georgia" pitchFamily="18" charset="0"/>
-              </a:rPr>
-              <a:t>maizina</a:t>
-            </a:r>
-            <a:r>
-              <a:rPr lang="en-GB" sz="6000" b="1" dirty="0" smtClean="0">
-                <a:effectLst>
-                  <a:outerShdw blurRad="38100" dist="38100" dir="2700000" algn="tl">
-                    <a:srgbClr val="000000">
-                      <a:alpha val="43137"/>
-                    </a:srgbClr>
-                  </a:outerShdw>
-                </a:effectLst>
-                <a:latin typeface="Georgia" pitchFamily="18" charset="0"/>
-              </a:rPr>
-              <a:t>,</a:t>
-            </a:r>
-            <a:br>
-              <a:rPr lang="en-GB" sz="6000" b="1" dirty="0" smtClean="0">
-                <a:effectLst>
-                  <a:outerShdw blurRad="38100" dist="38100" dir="2700000" algn="tl">
-                    <a:srgbClr val="000000">
-                      <a:alpha val="43137"/>
-                    </a:srgbClr>
-                  </a:outerShdw>
-                </a:effectLst>
-                <a:latin typeface="Georgia" pitchFamily="18" charset="0"/>
-              </a:rPr>
-            </a:br>
-            <a:r>
-              <a:rPr lang="en-GB" sz="6000" b="1" dirty="0" err="1" smtClean="0">
-                <a:effectLst>
-                  <a:outerShdw blurRad="38100" dist="38100" dir="2700000" algn="tl">
-                    <a:srgbClr val="000000">
-                      <a:alpha val="43137"/>
-                    </a:srgbClr>
-                  </a:outerShdw>
-                </a:effectLst>
-                <a:latin typeface="Georgia" pitchFamily="18" charset="0"/>
-              </a:rPr>
-              <a:t>Ny</a:t>
-            </a:r>
-            <a:r>
-              <a:rPr lang="en-GB" sz="6000" b="1" dirty="0" smtClean="0">
-                <a:effectLst>
-                  <a:outerShdw blurRad="38100" dist="38100" dir="2700000" algn="tl">
-                    <a:srgbClr val="000000">
-                      <a:alpha val="43137"/>
-                    </a:srgbClr>
-                  </a:outerShdw>
-                </a:effectLst>
-                <a:latin typeface="Georgia" pitchFamily="18" charset="0"/>
-              </a:rPr>
-              <a:t> </a:t>
-            </a:r>
-            <a:r>
-              <a:rPr lang="en-GB" sz="6000" b="1" dirty="0" err="1" smtClean="0">
-                <a:effectLst>
-                  <a:outerShdw blurRad="38100" dist="38100" dir="2700000" algn="tl">
-                    <a:srgbClr val="000000">
-                      <a:alpha val="43137"/>
-                    </a:srgbClr>
-                  </a:outerShdw>
-                </a:effectLst>
-                <a:latin typeface="Georgia" pitchFamily="18" charset="0"/>
-              </a:rPr>
-              <a:t>fonay</a:t>
-            </a:r>
-            <a:r>
-              <a:rPr lang="en-GB" sz="6000" b="1" dirty="0" smtClean="0">
-                <a:effectLst>
-                  <a:outerShdw blurRad="38100" dist="38100" dir="2700000" algn="tl">
-                    <a:srgbClr val="000000">
-                      <a:alpha val="43137"/>
-                    </a:srgbClr>
-                  </a:outerShdw>
-                </a:effectLst>
-                <a:latin typeface="Georgia" pitchFamily="18" charset="0"/>
-              </a:rPr>
-              <a:t> </a:t>
-            </a:r>
-            <a:r>
-              <a:rPr lang="en-GB" sz="6000" b="1" dirty="0" err="1" smtClean="0">
-                <a:effectLst>
-                  <a:outerShdw blurRad="38100" dist="38100" dir="2700000" algn="tl">
-                    <a:srgbClr val="000000">
-                      <a:alpha val="43137"/>
-                    </a:srgbClr>
-                  </a:outerShdw>
-                </a:effectLst>
-                <a:latin typeface="Georgia" pitchFamily="18" charset="0"/>
-              </a:rPr>
-              <a:t>ratsy</a:t>
-            </a:r>
-            <a:r>
-              <a:rPr lang="en-GB" sz="6000" b="1" dirty="0" smtClean="0">
-                <a:effectLst>
-                  <a:outerShdw blurRad="38100" dist="38100" dir="2700000" algn="tl">
-                    <a:srgbClr val="000000">
-                      <a:alpha val="43137"/>
-                    </a:srgbClr>
-                  </a:outerShdw>
-                </a:effectLst>
-                <a:latin typeface="Georgia" pitchFamily="18" charset="0"/>
-              </a:rPr>
-              <a:t> </a:t>
-            </a:r>
-            <a:r>
-              <a:rPr lang="en-GB" sz="6000" b="1" dirty="0" err="1" smtClean="0">
+              <a:rPr lang="en-GB" sz="6000" b="1">
                 <a:effectLst>
                   <a:outerShdw blurRad="38100" dist="38100" dir="2700000" algn="tl">
                     <a:srgbClr val="000000">
@@ -4443,13 +4211,6 @@
   <p:transition>
     <p:dissolve/>
   </p:transition>
-  <p:timing>
-    <p:tnLst>
-      <p:par>
-        <p:cTn id="1" dur="indefinite" restart="never" nodeType="tmRoot"/>
-      </p:par>
-    </p:tnLst>
-  </p:timing>
 </p:sld>
 </file>
 
@@ -4496,7 +4257,7 @@
               <a:defRPr/>
             </a:pPr>
             <a:r>
-              <a:rPr lang="en-GB" sz="6000" b="1" dirty="0" smtClean="0">
+              <a:rPr lang="en-GB" sz="6000" b="1" dirty="0">
                 <a:solidFill>
                   <a:srgbClr val="FF0000"/>
                 </a:solidFill>
@@ -4512,7 +4273,7 @@
               <a:t>3-</a:t>
             </a:r>
             <a:r>
-              <a:rPr lang="en-GB" sz="6000" b="1" dirty="0" smtClean="0">
+              <a:rPr lang="en-GB" sz="6000" b="1" dirty="0">
                 <a:effectLst>
                   <a:outerShdw blurRad="38100" dist="38100" dir="2700000" algn="tl">
                     <a:srgbClr val="000000">
@@ -4525,7 +4286,7 @@
               <a:t> </a:t>
             </a:r>
             <a:r>
-              <a:rPr lang="en-GB" sz="6000" b="1" dirty="0" err="1" smtClean="0">
+              <a:rPr lang="en-GB" sz="6000" b="1" dirty="0" err="1">
                 <a:effectLst>
                   <a:outerShdw blurRad="38100" dist="38100" dir="2700000" algn="tl">
                     <a:srgbClr val="000000">
@@ -4538,7 +4299,7 @@
               <a:t>Midina</a:t>
             </a:r>
             <a:r>
-              <a:rPr lang="en-GB" sz="6000" b="1" dirty="0" smtClean="0">
+              <a:rPr lang="en-GB" sz="6000" b="1" dirty="0">
                 <a:effectLst>
                   <a:outerShdw blurRad="38100" dist="38100" dir="2700000" algn="tl">
                     <a:srgbClr val="000000">
@@ -4551,7 +4312,7 @@
               <a:t> </a:t>
             </a:r>
             <a:r>
-              <a:rPr lang="en-GB" sz="6000" b="1" dirty="0" err="1" smtClean="0">
+              <a:rPr lang="en-GB" sz="6000" b="1" dirty="0" err="1">
                 <a:effectLst>
                   <a:outerShdw blurRad="38100" dist="38100" dir="2700000" algn="tl">
                     <a:srgbClr val="000000">
@@ -4564,7 +4325,7 @@
               <a:t>Hianao</a:t>
             </a:r>
             <a:r>
-              <a:rPr lang="en-GB" sz="6000" b="1" dirty="0" smtClean="0">
+              <a:rPr lang="en-GB" sz="6000" b="1" dirty="0">
                 <a:effectLst>
                   <a:outerShdw blurRad="38100" dist="38100" dir="2700000" algn="tl">
                     <a:srgbClr val="000000">
@@ -4577,7 +4338,7 @@
               <a:t>,</a:t>
             </a:r>
             <a:br>
-              <a:rPr lang="en-GB" sz="6000" b="1" dirty="0" smtClean="0">
+              <a:rPr lang="en-GB" sz="6000" b="1" dirty="0">
                 <a:effectLst>
                   <a:outerShdw blurRad="38100" dist="38100" dir="2700000" algn="tl">
                     <a:srgbClr val="000000">
@@ -4589,7 +4350,7 @@
               </a:rPr>
             </a:br>
             <a:r>
-              <a:rPr lang="en-GB" sz="6000" b="1" dirty="0" err="1" smtClean="0">
+              <a:rPr lang="en-GB" sz="6000" b="1" dirty="0" err="1">
                 <a:effectLst>
                   <a:outerShdw blurRad="38100" dist="38100" dir="2700000" algn="tl">
                     <a:srgbClr val="000000">
@@ -4602,7 +4363,7 @@
               <a:t>Ry</a:t>
             </a:r>
             <a:r>
-              <a:rPr lang="en-GB" sz="6000" b="1" dirty="0" smtClean="0">
+              <a:rPr lang="en-GB" sz="6000" b="1" dirty="0">
                 <a:effectLst>
                   <a:outerShdw blurRad="38100" dist="38100" dir="2700000" algn="tl">
                     <a:srgbClr val="000000">
@@ -4615,7 +4376,7 @@
               <a:t> </a:t>
             </a:r>
             <a:r>
-              <a:rPr lang="en-GB" sz="6000" b="1" dirty="0" err="1" smtClean="0">
+              <a:rPr lang="en-GB" sz="6000" b="1" dirty="0" err="1">
                 <a:effectLst>
                   <a:outerShdw blurRad="38100" dist="38100" dir="2700000" algn="tl">
                     <a:srgbClr val="000000">
@@ -4628,7 +4389,7 @@
               <a:t>Mpanazava</a:t>
             </a:r>
             <a:r>
-              <a:rPr lang="en-GB" sz="6000" b="1" dirty="0" smtClean="0">
+              <a:rPr lang="en-GB" sz="6000" b="1" dirty="0">
                 <a:effectLst>
                   <a:outerShdw blurRad="38100" dist="38100" dir="2700000" algn="tl">
                     <a:srgbClr val="000000">
@@ -4641,7 +4402,7 @@
               <a:t> </a:t>
             </a:r>
             <a:r>
-              <a:rPr lang="en-GB" sz="6000" b="1" dirty="0" err="1" smtClean="0">
+              <a:rPr lang="en-GB" sz="6000" b="1" dirty="0" err="1">
                 <a:effectLst>
                   <a:outerShdw blurRad="38100" dist="38100" dir="2700000" algn="tl">
                     <a:srgbClr val="000000">
@@ -4654,7 +4415,7 @@
               <a:t>anay</a:t>
             </a:r>
             <a:r>
-              <a:rPr lang="en-GB" sz="6000" b="1" dirty="0" smtClean="0">
+              <a:rPr lang="en-GB" sz="6000" b="1" dirty="0">
                 <a:effectLst>
                   <a:outerShdw blurRad="38100" dist="38100" dir="2700000" algn="tl">
                     <a:srgbClr val="000000">
@@ -4666,19 +4427,6 @@
               </a:rPr>
               <a:t>,</a:t>
             </a:r>
-            <a:r>
-              <a:rPr lang="en-GB" sz="6000" b="1" dirty="0">
-                <a:effectLst>
-                  <a:outerShdw blurRad="38100" dist="38100" dir="2700000" algn="tl">
-                    <a:srgbClr val="000000">
-                      <a:alpha val="43137"/>
-                    </a:srgbClr>
-                  </a:outerShdw>
-                </a:effectLst>
-                <a:latin typeface="Georgia" pitchFamily="18" charset="0"/>
-              </a:rPr>
-              <a:t/>
-            </a:r>
             <a:br>
               <a:rPr lang="en-GB" sz="6000" b="1" dirty="0">
                 <a:effectLst>
@@ -4692,7 +4440,7 @@
               </a:rPr>
             </a:br>
             <a:r>
-              <a:rPr lang="en-GB" sz="6000" b="1" dirty="0" err="1" smtClean="0">
+              <a:rPr lang="en-GB" sz="6000" b="1" dirty="0" err="1">
                 <a:effectLst>
                   <a:outerShdw blurRad="38100" dist="38100" dir="2700000" algn="tl">
                     <a:srgbClr val="000000">
@@ -4705,7 +4453,7 @@
               <a:t>Hanaisotra</a:t>
             </a:r>
             <a:r>
-              <a:rPr lang="en-GB" sz="6000" b="1" dirty="0" smtClean="0">
+              <a:rPr lang="en-GB" sz="6000" b="1" dirty="0">
                 <a:effectLst>
                   <a:outerShdw blurRad="38100" dist="38100" dir="2700000" algn="tl">
                     <a:srgbClr val="000000">
@@ -4718,7 +4466,7 @@
               <a:t> </a:t>
             </a:r>
             <a:r>
-              <a:rPr lang="en-GB" sz="6000" b="1" dirty="0" err="1" smtClean="0">
+              <a:rPr lang="en-GB" sz="6000" b="1" dirty="0" err="1">
                 <a:effectLst>
                   <a:outerShdw blurRad="38100" dist="38100" dir="2700000" algn="tl">
                     <a:srgbClr val="000000">
@@ -4731,7 +4479,7 @@
               <a:t>ny</a:t>
             </a:r>
             <a:r>
-              <a:rPr lang="en-GB" sz="6000" b="1" dirty="0" smtClean="0">
+              <a:rPr lang="en-GB" sz="6000" b="1" dirty="0">
                 <a:effectLst>
                   <a:outerShdw blurRad="38100" dist="38100" dir="2700000" algn="tl">
                     <a:srgbClr val="000000">
@@ -4744,7 +4492,7 @@
               <a:t> </a:t>
             </a:r>
             <a:r>
-              <a:rPr lang="en-GB" sz="6000" b="1" dirty="0" err="1" smtClean="0">
+              <a:rPr lang="en-GB" sz="6000" b="1" dirty="0" err="1">
                 <a:effectLst>
                   <a:outerShdw blurRad="38100" dist="38100" dir="2700000" algn="tl">
                     <a:srgbClr val="000000">
@@ -4757,7 +4505,7 @@
               <a:t>maizina</a:t>
             </a:r>
             <a:r>
-              <a:rPr lang="en-GB" sz="6000" b="1" dirty="0" smtClean="0">
+              <a:rPr lang="en-GB" sz="6000" b="1" dirty="0">
                 <a:effectLst>
                   <a:outerShdw blurRad="38100" dist="38100" dir="2700000" algn="tl">
                     <a:srgbClr val="000000">
@@ -4770,7 +4518,7 @@
               <a:t>,</a:t>
             </a:r>
             <a:br>
-              <a:rPr lang="en-GB" sz="6000" b="1" dirty="0" smtClean="0">
+              <a:rPr lang="en-GB" sz="6000" b="1" dirty="0">
                 <a:effectLst>
                   <a:outerShdw blurRad="38100" dist="38100" dir="2700000" algn="tl">
                     <a:srgbClr val="000000">
@@ -4782,7 +4530,7 @@
               </a:rPr>
             </a:br>
             <a:r>
-              <a:rPr lang="en-GB" sz="6000" b="1" dirty="0" err="1" smtClean="0">
+              <a:rPr lang="en-GB" sz="6000" b="1" dirty="0" err="1">
                 <a:effectLst>
                   <a:outerShdw blurRad="38100" dist="38100" dir="2700000" algn="tl">
                     <a:srgbClr val="000000">
@@ -4795,7 +4543,7 @@
               <a:t>Atý</a:t>
             </a:r>
             <a:r>
-              <a:rPr lang="en-GB" sz="6000" b="1" dirty="0" smtClean="0">
+              <a:rPr lang="en-GB" sz="6000" b="1" dirty="0">
                 <a:effectLst>
                   <a:outerShdw blurRad="38100" dist="38100" dir="2700000" algn="tl">
                     <a:srgbClr val="000000">
@@ -4808,7 +4556,7 @@
               <a:t> </a:t>
             </a:r>
             <a:r>
-              <a:rPr lang="en-GB" sz="6000" b="1" dirty="0" err="1" smtClean="0">
+              <a:rPr lang="en-GB" sz="6000" b="1" dirty="0" err="1">
                 <a:effectLst>
                   <a:outerShdw blurRad="38100" dist="38100" dir="2700000" algn="tl">
                     <a:srgbClr val="000000">
@@ -4821,7 +4569,7 @@
               <a:t>anatinay</a:t>
             </a:r>
             <a:r>
-              <a:rPr lang="en-GB" sz="6000" b="1" dirty="0" smtClean="0">
+              <a:rPr lang="en-GB" sz="6000" b="1" dirty="0">
                 <a:effectLst>
                   <a:outerShdw blurRad="38100" dist="38100" dir="2700000" algn="tl">
                     <a:srgbClr val="000000">
@@ -4833,16 +4581,6 @@
               </a:rPr>
               <a:t> !</a:t>
             </a:r>
-            <a:endParaRPr lang="en-GB" sz="6000" b="1" dirty="0">
-              <a:effectLst>
-                <a:outerShdw blurRad="38100" dist="38100" dir="2700000" algn="tl">
-                  <a:srgbClr val="000000">
-                    <a:alpha val="43137"/>
-                  </a:srgbClr>
-                </a:outerShdw>
-              </a:effectLst>
-              <a:latin typeface="Georgia" pitchFamily="18" charset="0"/>
-            </a:endParaRPr>
           </a:p>
         </p:txBody>
       </p:sp>
@@ -4854,13 +4592,6 @@
   <p:transition>
     <p:dissolve/>
   </p:transition>
-  <p:timing>
-    <p:tnLst>
-      <p:par>
-        <p:cTn id="1" dur="indefinite" restart="never" nodeType="tmRoot"/>
-      </p:par>
-    </p:tnLst>
-  </p:timing>
 </p:sld>
 </file>
 
@@ -4907,7 +4638,7 @@
               <a:defRPr/>
             </a:pPr>
             <a:r>
-              <a:rPr lang="en-GB" sz="6000" b="1" dirty="0" smtClean="0">
+              <a:rPr lang="en-GB" sz="6000" b="1" dirty="0">
                 <a:solidFill>
                   <a:srgbClr val="FF0000"/>
                 </a:solidFill>
@@ -4923,7 +4654,7 @@
               <a:t>4-</a:t>
             </a:r>
             <a:r>
-              <a:rPr lang="en-GB" sz="6000" b="1" dirty="0" smtClean="0">
+              <a:rPr lang="en-GB" sz="6000" b="1" dirty="0">
                 <a:effectLst>
                   <a:outerShdw blurRad="38100" dist="38100" dir="2700000" algn="tl">
                     <a:srgbClr val="000000">
@@ -4936,7 +4667,7 @@
               <a:t>Avia, </a:t>
             </a:r>
             <a:r>
-              <a:rPr lang="en-GB" sz="6000" b="1" dirty="0" err="1" smtClean="0">
+              <a:rPr lang="en-GB" sz="6000" b="1" dirty="0" err="1">
                 <a:effectLst>
                   <a:outerShdw blurRad="38100" dist="38100" dir="2700000" algn="tl">
                     <a:srgbClr val="000000">
@@ -4949,7 +4680,7 @@
               <a:t>Mpananatra</a:t>
             </a:r>
             <a:r>
-              <a:rPr lang="en-GB" sz="6000" b="1" dirty="0" smtClean="0">
+              <a:rPr lang="en-GB" sz="6000" b="1" dirty="0">
                 <a:effectLst>
                   <a:outerShdw blurRad="38100" dist="38100" dir="2700000" algn="tl">
                     <a:srgbClr val="000000">
@@ -4962,7 +4693,7 @@
               <a:t> ô! </a:t>
             </a:r>
             <a:r>
-              <a:rPr lang="en-GB" sz="6000" b="1" dirty="0" err="1" smtClean="0">
+              <a:rPr lang="en-GB" sz="6000" b="1" dirty="0" err="1">
                 <a:effectLst>
                   <a:outerShdw blurRad="38100" dist="38100" dir="2700000" algn="tl">
                     <a:srgbClr val="000000">
@@ -4975,7 +4706,7 @@
               <a:t>Mombà</a:t>
             </a:r>
             <a:r>
-              <a:rPr lang="en-GB" sz="6000" b="1" dirty="0" smtClean="0">
+              <a:rPr lang="en-GB" sz="6000" b="1" dirty="0">
                 <a:effectLst>
                   <a:outerShdw blurRad="38100" dist="38100" dir="2700000" algn="tl">
                     <a:srgbClr val="000000">
@@ -4988,7 +4719,7 @@
               <a:t> </a:t>
             </a:r>
             <a:r>
-              <a:rPr lang="en-GB" sz="6000" b="1" dirty="0" err="1" smtClean="0">
+              <a:rPr lang="en-GB" sz="6000" b="1" dirty="0" err="1">
                 <a:effectLst>
                   <a:outerShdw blurRad="38100" dist="38100" dir="2700000" algn="tl">
                     <a:srgbClr val="000000">
@@ -5001,7 +4732,7 @@
               <a:t>anay</a:t>
             </a:r>
             <a:r>
-              <a:rPr lang="en-GB" sz="6000" b="1" dirty="0" smtClean="0">
+              <a:rPr lang="en-GB" sz="6000" b="1" dirty="0">
                 <a:effectLst>
                   <a:outerShdw blurRad="38100" dist="38100" dir="2700000" algn="tl">
                     <a:srgbClr val="000000">
@@ -5014,7 +4745,7 @@
               <a:t> </a:t>
             </a:r>
             <a:r>
-              <a:rPr lang="en-GB" sz="6000" b="1" dirty="0" err="1" smtClean="0">
+              <a:rPr lang="en-GB" sz="6000" b="1" dirty="0" err="1">
                 <a:effectLst>
                   <a:outerShdw blurRad="38100" dist="38100" dir="2700000" algn="tl">
                     <a:srgbClr val="000000">
@@ -5027,7 +4758,7 @@
               <a:t>tokoa</a:t>
             </a:r>
             <a:r>
-              <a:rPr lang="en-GB" sz="6000" b="1" dirty="0" smtClean="0">
+              <a:rPr lang="en-GB" sz="6000" b="1" dirty="0">
                 <a:effectLst>
                   <a:outerShdw blurRad="38100" dist="38100" dir="2700000" algn="tl">
                     <a:srgbClr val="000000">
@@ -5040,7 +4771,7 @@
               <a:t> ;</a:t>
             </a:r>
             <a:br>
-              <a:rPr lang="en-GB" sz="6000" b="1" dirty="0" smtClean="0">
+              <a:rPr lang="en-GB" sz="6000" b="1" dirty="0">
                 <a:effectLst>
                   <a:outerShdw blurRad="38100" dist="38100" dir="2700000" algn="tl">
                     <a:srgbClr val="000000">
@@ -5052,7 +4783,7 @@
               </a:rPr>
             </a:br>
             <a:r>
-              <a:rPr lang="en-GB" sz="6000" b="1" dirty="0" err="1" smtClean="0">
+              <a:rPr lang="en-GB" sz="6000" b="1" dirty="0" err="1">
                 <a:effectLst>
                   <a:outerShdw blurRad="38100" dist="38100" dir="2700000" algn="tl">
                     <a:srgbClr val="000000">
@@ -5064,21 +4795,8 @@
               </a:rPr>
               <a:t>Ampahatsiarovinao</a:t>
             </a:r>
-            <a:r>
-              <a:rPr lang="en-GB" sz="6000" b="1" dirty="0" smtClean="0">
-                <a:effectLst>
-                  <a:outerShdw blurRad="38100" dist="38100" dir="2700000" algn="tl">
-                    <a:srgbClr val="000000">
-                      <a:alpha val="43137"/>
-                    </a:srgbClr>
-                  </a:outerShdw>
-                </a:effectLst>
-                <a:latin typeface="Georgia" pitchFamily="18" charset="0"/>
-              </a:rPr>
-              <a:t/>
-            </a:r>
             <a:br>
-              <a:rPr lang="en-GB" sz="6000" b="1" dirty="0" smtClean="0">
+              <a:rPr lang="en-GB" sz="6000" b="1" dirty="0">
                 <a:effectLst>
                   <a:outerShdw blurRad="38100" dist="38100" dir="2700000" algn="tl">
                     <a:srgbClr val="000000">
@@ -5090,7 +4808,7 @@
               </a:rPr>
             </a:br>
             <a:r>
-              <a:rPr lang="en-GB" sz="6000" b="1" dirty="0" err="1" smtClean="0">
+              <a:rPr lang="en-GB" sz="6000" b="1" dirty="0" err="1">
                 <a:effectLst>
                   <a:outerShdw blurRad="38100" dist="38100" dir="2700000" algn="tl">
                     <a:srgbClr val="000000">
@@ -5103,7 +4821,7 @@
               <a:t>Ny</a:t>
             </a:r>
             <a:r>
-              <a:rPr lang="en-GB" sz="6000" b="1" dirty="0" smtClean="0">
+              <a:rPr lang="en-GB" sz="6000" b="1" dirty="0">
                 <a:effectLst>
                   <a:outerShdw blurRad="38100" dist="38100" dir="2700000" algn="tl">
                     <a:srgbClr val="000000">
@@ -5116,7 +4834,7 @@
               <a:t> </a:t>
             </a:r>
             <a:r>
-              <a:rPr lang="en-GB" sz="6000" b="1" dirty="0" err="1" smtClean="0">
+              <a:rPr lang="en-GB" sz="6000" b="1" dirty="0" err="1">
                 <a:effectLst>
                   <a:outerShdw blurRad="38100" dist="38100" dir="2700000" algn="tl">
                     <a:srgbClr val="000000">
@@ -5129,7 +4847,7 @@
               <a:t>teny</a:t>
             </a:r>
             <a:r>
-              <a:rPr lang="en-GB" sz="6000" b="1" dirty="0" smtClean="0">
+              <a:rPr lang="en-GB" sz="6000" b="1" dirty="0">
                 <a:effectLst>
                   <a:outerShdw blurRad="38100" dist="38100" dir="2700000" algn="tl">
                     <a:srgbClr val="000000">
@@ -5142,7 +4860,7 @@
               <a:t> </a:t>
             </a:r>
             <a:r>
-              <a:rPr lang="en-GB" sz="6000" b="1" dirty="0" err="1" smtClean="0">
+              <a:rPr lang="en-GB" sz="6000" b="1" dirty="0" err="1">
                 <a:effectLst>
                   <a:outerShdw blurRad="38100" dist="38100" dir="2700000" algn="tl">
                     <a:srgbClr val="000000">
@@ -5155,7 +4873,7 @@
               <a:t>mahasoa</a:t>
             </a:r>
             <a:r>
-              <a:rPr lang="en-GB" sz="6000" b="1" dirty="0" smtClean="0">
+              <a:rPr lang="en-GB" sz="6000" b="1" dirty="0">
                 <a:effectLst>
                   <a:outerShdw blurRad="38100" dist="38100" dir="2700000" algn="tl">
                     <a:srgbClr val="000000">
@@ -5167,16 +4885,6 @@
               </a:rPr>
               <a:t>.</a:t>
             </a:r>
-            <a:endParaRPr lang="en-GB" sz="6000" b="1" dirty="0">
-              <a:effectLst>
-                <a:outerShdw blurRad="38100" dist="38100" dir="2700000" algn="tl">
-                  <a:srgbClr val="000000">
-                    <a:alpha val="43137"/>
-                  </a:srgbClr>
-                </a:outerShdw>
-              </a:effectLst>
-              <a:latin typeface="Georgia" pitchFamily="18" charset="0"/>
-            </a:endParaRPr>
           </a:p>
         </p:txBody>
       </p:sp>
@@ -5188,13 +4896,6 @@
   <p:transition>
     <p:dissolve/>
   </p:transition>
-  <p:timing>
-    <p:tnLst>
-      <p:par>
-        <p:cTn id="1" dur="indefinite" restart="never" nodeType="tmRoot"/>
-      </p:par>
-    </p:tnLst>
-  </p:timing>
 </p:sld>
 </file>
 
@@ -5241,7 +4942,7 @@
               <a:defRPr/>
             </a:pPr>
             <a:r>
-              <a:rPr lang="en-GB" sz="6000" b="1" dirty="0" smtClean="0">
+              <a:rPr lang="en-GB" sz="6000" b="1" dirty="0">
                 <a:solidFill>
                   <a:srgbClr val="FF0000"/>
                 </a:solidFill>
@@ -5257,7 +4958,7 @@
               <a:t>5-</a:t>
             </a:r>
             <a:r>
-              <a:rPr lang="en-GB" sz="6000" b="1" dirty="0" smtClean="0">
+              <a:rPr lang="en-GB" sz="6000" b="1" dirty="0">
                 <a:effectLst>
                   <a:outerShdw blurRad="38100" dist="38100" dir="2700000" algn="tl">
                     <a:srgbClr val="000000">
@@ -5270,7 +4971,7 @@
               <a:t>Ry </a:t>
             </a:r>
             <a:r>
-              <a:rPr lang="en-GB" sz="6000" b="1" dirty="0" err="1" smtClean="0">
+              <a:rPr lang="en-GB" sz="6000" b="1" dirty="0" err="1">
                 <a:effectLst>
                   <a:outerShdw blurRad="38100" dist="38100" dir="2700000" algn="tl">
                     <a:srgbClr val="000000">
@@ -5283,7 +4984,7 @@
               <a:t>Mpampianatr</a:t>
             </a:r>
             <a:r>
-              <a:rPr lang="en-GB" sz="6000" b="1" i="1" dirty="0" err="1" smtClean="0">
+              <a:rPr lang="en-GB" sz="6000" b="1" i="1" dirty="0" err="1">
                 <a:effectLst>
                   <a:outerShdw blurRad="38100" dist="38100" dir="2700000" algn="tl">
                     <a:srgbClr val="000000">
@@ -5296,7 +4997,7 @@
               <a:t>a</a:t>
             </a:r>
             <a:r>
-              <a:rPr lang="en-GB" sz="6000" b="1" dirty="0" smtClean="0">
+              <a:rPr lang="en-GB" sz="6000" b="1" dirty="0">
                 <a:effectLst>
                   <a:outerShdw blurRad="38100" dist="38100" dir="2700000" algn="tl">
                     <a:srgbClr val="000000">
@@ -5309,7 +5010,7 @@
               <a:t> ô! </a:t>
             </a:r>
             <a:r>
-              <a:rPr lang="en-GB" sz="6000" b="1" dirty="0" err="1" smtClean="0">
+              <a:rPr lang="en-GB" sz="6000" b="1" dirty="0" err="1">
                 <a:effectLst>
                   <a:outerShdw blurRad="38100" dist="38100" dir="2700000" algn="tl">
                     <a:srgbClr val="000000">
@@ -5322,7 +5023,7 @@
               <a:t>Ampionao</a:t>
             </a:r>
             <a:r>
-              <a:rPr lang="en-GB" sz="6000" b="1" dirty="0" smtClean="0">
+              <a:rPr lang="en-GB" sz="6000" b="1" dirty="0">
                 <a:effectLst>
                   <a:outerShdw blurRad="38100" dist="38100" dir="2700000" algn="tl">
                     <a:srgbClr val="000000">
@@ -5335,7 +5036,7 @@
               <a:t> </a:t>
             </a:r>
             <a:r>
-              <a:rPr lang="en-GB" sz="6000" b="1" dirty="0" err="1" smtClean="0">
+              <a:rPr lang="en-GB" sz="6000" b="1" dirty="0" err="1">
                 <a:effectLst>
                   <a:outerShdw blurRad="38100" dist="38100" dir="2700000" algn="tl">
                     <a:srgbClr val="000000">
@@ -5348,7 +5049,7 @@
               <a:t>izahay</a:t>
             </a:r>
             <a:r>
-              <a:rPr lang="en-GB" sz="6000" b="1" dirty="0" smtClean="0">
+              <a:rPr lang="en-GB" sz="6000" b="1" dirty="0">
                 <a:effectLst>
                   <a:outerShdw blurRad="38100" dist="38100" dir="2700000" algn="tl">
                     <a:srgbClr val="000000">
@@ -5361,7 +5062,7 @@
               <a:t>,</a:t>
             </a:r>
             <a:br>
-              <a:rPr lang="en-GB" sz="6000" b="1" dirty="0" smtClean="0">
+              <a:rPr lang="en-GB" sz="6000" b="1" dirty="0">
                 <a:effectLst>
                   <a:outerShdw blurRad="38100" dist="38100" dir="2700000" algn="tl">
                     <a:srgbClr val="000000">
@@ -5373,7 +5074,7 @@
               </a:rPr>
             </a:br>
             <a:r>
-              <a:rPr lang="en-GB" sz="6000" b="1" dirty="0" err="1" smtClean="0">
+              <a:rPr lang="en-GB" sz="6000" b="1" dirty="0" err="1">
                 <a:effectLst>
                   <a:outerShdw blurRad="38100" dist="38100" dir="2700000" algn="tl">
                     <a:srgbClr val="000000">
@@ -5386,7 +5087,7 @@
               <a:t>Ka</a:t>
             </a:r>
             <a:r>
-              <a:rPr lang="en-GB" sz="6000" b="1" dirty="0" smtClean="0">
+              <a:rPr lang="en-GB" sz="6000" b="1" dirty="0">
                 <a:effectLst>
                   <a:outerShdw blurRad="38100" dist="38100" dir="2700000" algn="tl">
                     <a:srgbClr val="000000">
@@ -5399,7 +5100,7 @@
               <a:t> </a:t>
             </a:r>
             <a:r>
-              <a:rPr lang="en-GB" sz="6000" b="1" dirty="0" err="1" smtClean="0">
+              <a:rPr lang="en-GB" sz="6000" b="1" dirty="0" err="1">
                 <a:effectLst>
                   <a:outerShdw blurRad="38100" dist="38100" dir="2700000" algn="tl">
                     <a:srgbClr val="000000">
@@ -5412,7 +5113,7 @@
               <a:t>aoka</a:t>
             </a:r>
             <a:r>
-              <a:rPr lang="en-GB" sz="6000" b="1" dirty="0" smtClean="0">
+              <a:rPr lang="en-GB" sz="6000" b="1" dirty="0">
                 <a:effectLst>
                   <a:outerShdw blurRad="38100" dist="38100" dir="2700000" algn="tl">
                     <a:srgbClr val="000000">
@@ -5425,7 +5126,7 @@
               <a:t> re </a:t>
             </a:r>
             <a:r>
-              <a:rPr lang="en-GB" sz="6000" b="1" dirty="0" err="1" smtClean="0">
+              <a:rPr lang="en-GB" sz="6000" b="1" dirty="0" err="1">
                 <a:effectLst>
                   <a:outerShdw blurRad="38100" dist="38100" dir="2700000" algn="tl">
                     <a:srgbClr val="000000">
@@ -5438,7 +5139,7 @@
               <a:t>ho</a:t>
             </a:r>
             <a:r>
-              <a:rPr lang="en-GB" sz="6000" b="1" dirty="0" smtClean="0">
+              <a:rPr lang="en-GB" sz="6000" b="1" dirty="0">
                 <a:effectLst>
                   <a:outerShdw blurRad="38100" dist="38100" dir="2700000" algn="tl">
                     <a:srgbClr val="000000">
@@ -5451,7 +5152,7 @@
               <a:t> marina</a:t>
             </a:r>
             <a:br>
-              <a:rPr lang="en-GB" sz="6000" b="1" dirty="0" smtClean="0">
+              <a:rPr lang="en-GB" sz="6000" b="1" dirty="0">
                 <a:effectLst>
                   <a:outerShdw blurRad="38100" dist="38100" dir="2700000" algn="tl">
                     <a:srgbClr val="000000">
@@ -5463,7 +5164,7 @@
               </a:rPr>
             </a:br>
             <a:r>
-              <a:rPr lang="en-GB" sz="6000" b="1" i="1" dirty="0" err="1" smtClean="0">
+              <a:rPr lang="en-GB" sz="6000" b="1" i="1" dirty="0" err="1">
                 <a:effectLst>
                   <a:outerShdw blurRad="38100" dist="38100" dir="2700000" algn="tl">
                     <a:srgbClr val="000000">
@@ -5476,7 +5177,7 @@
               <a:t>I</a:t>
             </a:r>
             <a:r>
-              <a:rPr lang="en-GB" sz="6000" b="1" dirty="0" err="1" smtClean="0">
+              <a:rPr lang="en-GB" sz="6000" b="1" dirty="0" err="1">
                 <a:effectLst>
                   <a:outerShdw blurRad="38100" dist="38100" dir="2700000" algn="tl">
                     <a:srgbClr val="000000">
@@ -5489,7 +5190,7 @@
               <a:t>zay</a:t>
             </a:r>
             <a:r>
-              <a:rPr lang="en-GB" sz="6000" b="1" dirty="0" smtClean="0">
+              <a:rPr lang="en-GB" sz="6000" b="1" dirty="0">
                 <a:effectLst>
                   <a:outerShdw blurRad="38100" dist="38100" dir="2700000" algn="tl">
                     <a:srgbClr val="000000">
@@ -5502,7 +5203,7 @@
               <a:t> </a:t>
             </a:r>
             <a:r>
-              <a:rPr lang="en-GB" sz="6000" b="1" dirty="0" err="1" smtClean="0">
+              <a:rPr lang="en-GB" sz="6000" b="1" dirty="0" err="1">
                 <a:effectLst>
                   <a:outerShdw blurRad="38100" dist="38100" dir="2700000" algn="tl">
                     <a:srgbClr val="000000">
@@ -5515,7 +5216,7 @@
               <a:t>ianaranay</a:t>
             </a:r>
             <a:r>
-              <a:rPr lang="en-GB" sz="6000" b="1" dirty="0" smtClean="0">
+              <a:rPr lang="en-GB" sz="6000" b="1" dirty="0">
                 <a:effectLst>
                   <a:outerShdw blurRad="38100" dist="38100" dir="2700000" algn="tl">
                     <a:srgbClr val="000000">
@@ -5527,16 +5228,6 @@
               </a:rPr>
               <a:t> !</a:t>
             </a:r>
-            <a:endParaRPr lang="en-GB" sz="6000" b="1" dirty="0">
-              <a:effectLst>
-                <a:outerShdw blurRad="38100" dist="38100" dir="2700000" algn="tl">
-                  <a:srgbClr val="000000">
-                    <a:alpha val="43137"/>
-                  </a:srgbClr>
-                </a:outerShdw>
-              </a:effectLst>
-              <a:latin typeface="Georgia" pitchFamily="18" charset="0"/>
-            </a:endParaRPr>
           </a:p>
         </p:txBody>
       </p:sp>
@@ -5548,13 +5239,6 @@
   <p:transition>
     <p:dissolve/>
   </p:transition>
-  <p:timing>
-    <p:tnLst>
-      <p:par>
-        <p:cTn id="1" dur="indefinite" restart="never" nodeType="tmRoot"/>
-      </p:par>
-    </p:tnLst>
-  </p:timing>
 </p:sld>
 </file>
 
@@ -5601,7 +5285,7 @@
               <a:defRPr/>
             </a:pPr>
             <a:r>
-              <a:rPr lang="en-GB" sz="6000" b="1" dirty="0" smtClean="0">
+              <a:rPr lang="en-GB" sz="6000" b="1" dirty="0">
                 <a:solidFill>
                   <a:srgbClr val="FF0000"/>
                 </a:solidFill>
@@ -5617,7 +5301,7 @@
               <a:t>6-</a:t>
             </a:r>
             <a:r>
-              <a:rPr lang="en-GB" sz="6000" b="1" dirty="0" smtClean="0">
+              <a:rPr lang="en-GB" sz="6000" b="1" dirty="0">
                 <a:effectLst>
                   <a:outerShdw blurRad="38100" dist="38100" dir="2700000" algn="tl">
                     <a:srgbClr val="000000">
@@ -5630,7 +5314,7 @@
               <a:t> </a:t>
             </a:r>
             <a:r>
-              <a:rPr lang="en-GB" sz="6000" b="1" dirty="0" err="1" smtClean="0">
+              <a:rPr lang="en-GB" sz="6000" b="1" dirty="0" err="1">
                 <a:effectLst>
                   <a:outerShdw blurRad="38100" dist="38100" dir="2700000" algn="tl">
                     <a:srgbClr val="000000">
@@ -5643,7 +5327,7 @@
               <a:t>Mitomoera</a:t>
             </a:r>
             <a:r>
-              <a:rPr lang="en-GB" sz="6000" b="1" dirty="0" smtClean="0">
+              <a:rPr lang="en-GB" sz="6000" b="1" dirty="0">
                 <a:effectLst>
                   <a:outerShdw blurRad="38100" dist="38100" dir="2700000" algn="tl">
                     <a:srgbClr val="000000">
@@ -5656,7 +5340,7 @@
               <a:t> </a:t>
             </a:r>
             <a:r>
-              <a:rPr lang="en-GB" sz="6000" b="1" dirty="0" err="1" smtClean="0">
+              <a:rPr lang="en-GB" sz="6000" b="1" dirty="0" err="1">
                 <a:effectLst>
                   <a:outerShdw blurRad="38100" dist="38100" dir="2700000" algn="tl">
                     <a:srgbClr val="000000">
@@ -5668,21 +5352,8 @@
               </a:rPr>
               <a:t>atý</a:t>
             </a:r>
-            <a:r>
-              <a:rPr lang="en-GB" sz="6000" b="1" dirty="0" smtClean="0">
-                <a:effectLst>
-                  <a:outerShdw blurRad="38100" dist="38100" dir="2700000" algn="tl">
-                    <a:srgbClr val="000000">
-                      <a:alpha val="43137"/>
-                    </a:srgbClr>
-                  </a:outerShdw>
-                </a:effectLst>
-                <a:latin typeface="Georgia" pitchFamily="18" charset="0"/>
-              </a:rPr>
-              <a:t/>
-            </a:r>
             <a:br>
-              <a:rPr lang="en-GB" sz="6000" b="1" dirty="0" smtClean="0">
+              <a:rPr lang="en-GB" sz="6000" b="1" dirty="0">
                 <a:effectLst>
                   <a:outerShdw blurRad="38100" dist="38100" dir="2700000" algn="tl">
                     <a:srgbClr val="000000">
@@ -5694,7 +5365,7 @@
               </a:rPr>
             </a:br>
             <a:r>
-              <a:rPr lang="en-GB" sz="6000" b="1" dirty="0" err="1" smtClean="0">
+              <a:rPr lang="en-GB" sz="6000" b="1" dirty="0" err="1">
                 <a:effectLst>
                   <a:outerShdw blurRad="38100" dist="38100" dir="2700000" algn="tl">
                     <a:srgbClr val="000000">
@@ -5707,7 +5378,7 @@
               <a:t>Anatin’ny</a:t>
             </a:r>
             <a:r>
-              <a:rPr lang="en-GB" sz="6000" b="1" dirty="0" smtClean="0">
+              <a:rPr lang="en-GB" sz="6000" b="1" dirty="0">
                 <a:effectLst>
                   <a:outerShdw blurRad="38100" dist="38100" dir="2700000" algn="tl">
                     <a:srgbClr val="000000">
@@ -5720,7 +5391,7 @@
               <a:t> </a:t>
             </a:r>
             <a:r>
-              <a:rPr lang="en-GB" sz="6000" b="1" dirty="0" err="1" smtClean="0">
+              <a:rPr lang="en-GB" sz="6000" b="1" dirty="0" err="1">
                 <a:effectLst>
                   <a:outerShdw blurRad="38100" dist="38100" dir="2700000" algn="tl">
                     <a:srgbClr val="000000">
@@ -5733,7 +5404,7 @@
               <a:t>fonay</a:t>
             </a:r>
             <a:r>
-              <a:rPr lang="en-GB" sz="6000" b="1" dirty="0" smtClean="0">
+              <a:rPr lang="en-GB" sz="6000" b="1" dirty="0">
                 <a:effectLst>
                   <a:outerShdw blurRad="38100" dist="38100" dir="2700000" algn="tl">
                     <a:srgbClr val="000000">
@@ -5746,7 +5417,7 @@
               <a:t> ;</a:t>
             </a:r>
             <a:br>
-              <a:rPr lang="en-GB" sz="6000" b="1" dirty="0" smtClean="0">
+              <a:rPr lang="en-GB" sz="6000" b="1" dirty="0">
                 <a:effectLst>
                   <a:outerShdw blurRad="38100" dist="38100" dir="2700000" algn="tl">
                     <a:srgbClr val="000000">
@@ -5758,7 +5429,7 @@
               </a:rPr>
             </a:br>
             <a:r>
-              <a:rPr lang="en-GB" sz="6000" b="1" dirty="0" err="1" smtClean="0">
+              <a:rPr lang="en-GB" sz="6000" b="1" dirty="0" err="1">
                 <a:effectLst>
                   <a:outerShdw blurRad="38100" dist="38100" dir="2700000" algn="tl">
                     <a:srgbClr val="000000">
@@ -5771,7 +5442,7 @@
               <a:t>Izany</a:t>
             </a:r>
             <a:r>
-              <a:rPr lang="en-GB" sz="6000" b="1" dirty="0" smtClean="0">
+              <a:rPr lang="en-GB" sz="6000" b="1" dirty="0">
                 <a:effectLst>
                   <a:outerShdw blurRad="38100" dist="38100" dir="2700000" algn="tl">
                     <a:srgbClr val="000000">
@@ -5784,7 +5455,7 @@
               <a:t> </a:t>
             </a:r>
             <a:r>
-              <a:rPr lang="en-GB" sz="6000" b="1" dirty="0" err="1" smtClean="0">
+              <a:rPr lang="en-GB" sz="6000" b="1" dirty="0" err="1">
                 <a:effectLst>
                   <a:outerShdw blurRad="38100" dist="38100" dir="2700000" algn="tl">
                     <a:srgbClr val="000000">
@@ -5797,7 +5468,7 @@
               <a:t>indrindra</a:t>
             </a:r>
             <a:r>
-              <a:rPr lang="en-GB" sz="6000" b="1" dirty="0" smtClean="0">
+              <a:rPr lang="en-GB" sz="6000" b="1" dirty="0">
                 <a:effectLst>
                   <a:outerShdw blurRad="38100" dist="38100" dir="2700000" algn="tl">
                     <a:srgbClr val="000000">
@@ -5810,7 +5481,7 @@
               <a:t>, </a:t>
             </a:r>
             <a:r>
-              <a:rPr lang="en-GB" sz="6000" b="1" dirty="0" err="1" smtClean="0">
+              <a:rPr lang="en-GB" sz="6000" b="1" dirty="0" err="1">
                 <a:effectLst>
                   <a:outerShdw blurRad="38100" dist="38100" dir="2700000" algn="tl">
                     <a:srgbClr val="000000">
@@ -5823,7 +5494,7 @@
               <a:t>ry</a:t>
             </a:r>
             <a:r>
-              <a:rPr lang="en-GB" sz="6000" b="1" dirty="0" smtClean="0">
+              <a:rPr lang="en-GB" sz="6000" b="1" dirty="0">
                 <a:effectLst>
                   <a:outerShdw blurRad="38100" dist="38100" dir="2700000" algn="tl">
                     <a:srgbClr val="000000">
@@ -5836,7 +5507,7 @@
               <a:t> </a:t>
             </a:r>
             <a:r>
-              <a:rPr lang="en-GB" sz="6000" b="1" dirty="0" err="1" smtClean="0">
+              <a:rPr lang="en-GB" sz="6000" b="1" dirty="0" err="1">
                 <a:effectLst>
                   <a:outerShdw blurRad="38100" dist="38100" dir="2700000" algn="tl">
                     <a:srgbClr val="000000">
@@ -5849,7 +5520,7 @@
               <a:t>Tompo</a:t>
             </a:r>
             <a:r>
-              <a:rPr lang="en-GB" sz="6000" b="1" dirty="0" smtClean="0">
+              <a:rPr lang="en-GB" sz="6000" b="1" dirty="0">
                 <a:effectLst>
                   <a:outerShdw blurRad="38100" dist="38100" dir="2700000" algn="tl">
                     <a:srgbClr val="000000">
@@ -5862,7 +5533,7 @@
               <a:t>,</a:t>
             </a:r>
             <a:br>
-              <a:rPr lang="en-GB" sz="6000" b="1" dirty="0" smtClean="0">
+              <a:rPr lang="en-GB" sz="6000" b="1" dirty="0">
                 <a:effectLst>
                   <a:outerShdw blurRad="38100" dist="38100" dir="2700000" algn="tl">
                     <a:srgbClr val="000000">
@@ -5874,7 +5545,7 @@
               </a:rPr>
             </a:br>
             <a:r>
-              <a:rPr lang="en-GB" sz="6000" b="1" dirty="0" smtClean="0">
+              <a:rPr lang="en-GB" sz="6000" b="1" dirty="0">
                 <a:effectLst>
                   <a:outerShdw blurRad="38100" dist="38100" dir="2700000" algn="tl">
                     <a:srgbClr val="000000">
@@ -5887,7 +5558,7 @@
               <a:t>No </a:t>
             </a:r>
             <a:r>
-              <a:rPr lang="en-GB" sz="6000" b="1" dirty="0" err="1" smtClean="0">
+              <a:rPr lang="en-GB" sz="6000" b="1" dirty="0" err="1">
                 <a:effectLst>
                   <a:outerShdw blurRad="38100" dist="38100" dir="2700000" algn="tl">
                     <a:srgbClr val="000000">
@@ -5900,7 +5571,7 @@
               <a:t>angatahinay</a:t>
             </a:r>
             <a:r>
-              <a:rPr lang="en-GB" sz="6000" b="1" dirty="0" smtClean="0">
+              <a:rPr lang="en-GB" sz="6000" b="1" dirty="0">
                 <a:effectLst>
                   <a:outerShdw blurRad="38100" dist="38100" dir="2700000" algn="tl">
                     <a:srgbClr val="000000">
@@ -5912,16 +5583,6 @@
               </a:rPr>
               <a:t> !</a:t>
             </a:r>
-            <a:endParaRPr lang="en-GB" sz="6000" b="1" dirty="0">
-              <a:effectLst>
-                <a:outerShdw blurRad="38100" dist="38100" dir="2700000" algn="tl">
-                  <a:srgbClr val="000000">
-                    <a:alpha val="43137"/>
-                  </a:srgbClr>
-                </a:outerShdw>
-              </a:effectLst>
-              <a:latin typeface="Georgia" pitchFamily="18" charset="0"/>
-            </a:endParaRPr>
           </a:p>
         </p:txBody>
       </p:sp>
@@ -5933,13 +5594,6 @@
   <p:transition>
     <p:dissolve/>
   </p:transition>
-  <p:timing>
-    <p:tnLst>
-      <p:par>
-        <p:cTn id="1" dur="indefinite" restart="never" nodeType="tmRoot"/>
-      </p:par>
-    </p:tnLst>
-  </p:timing>
 </p:sld>
 </file>
 
